--- a/01_MASTER/01_Doc/Szakdolgozat_prezentáció.pptx
+++ b/01_MASTER/01_Doc/Szakdolgozat_prezentáció.pptx
@@ -1,11 +1,27 @@
 
 <file path=ppt/presentation.xml><?xml version="1.0" encoding="utf-8"?>
-<p:presentation xmlns:a="http://schemas.openxmlformats.org/drawingml/2006/main" xmlns:r="http://schemas.openxmlformats.org/officeDocument/2006/relationships" xmlns:p="http://schemas.openxmlformats.org/presentationml/2006/main" autoCompressPictures="0">
+<p:presentation xmlns:a="http://schemas.openxmlformats.org/drawingml/2006/main" xmlns:r="http://schemas.openxmlformats.org/officeDocument/2006/relationships" xmlns:p="http://schemas.openxmlformats.org/presentationml/2006/main" showSpecialPlsOnTitleSld="0" autoCompressPictures="0">
   <p:sldMasterIdLst>
     <p:sldMasterId id="2147483648" r:id="rId1"/>
   </p:sldMasterIdLst>
+  <p:notesMasterIdLst>
+    <p:notesMasterId r:id="rId16"/>
+  </p:notesMasterIdLst>
   <p:sldIdLst>
     <p:sldId id="256" r:id="rId2"/>
+    <p:sldId id="257" r:id="rId3"/>
+    <p:sldId id="258" r:id="rId4"/>
+    <p:sldId id="259" r:id="rId5"/>
+    <p:sldId id="260" r:id="rId6"/>
+    <p:sldId id="261" r:id="rId7"/>
+    <p:sldId id="262" r:id="rId8"/>
+    <p:sldId id="263" r:id="rId9"/>
+    <p:sldId id="270" r:id="rId10"/>
+    <p:sldId id="264" r:id="rId11"/>
+    <p:sldId id="265" r:id="rId12"/>
+    <p:sldId id="266" r:id="rId13"/>
+    <p:sldId id="267" r:id="rId14"/>
+    <p:sldId id="269" r:id="rId15"/>
   </p:sldIdLst>
   <p:sldSz cx="12192000" cy="6858000"/>
   <p:notesSz cx="6858000" cy="9144000"/>
@@ -104,7 +120,362 @@
       </a:defRPr>
     </a:lvl9pPr>
   </p:defaultTextStyle>
+  <p:extLst>
+    <p:ext uri="{EFAFB233-063F-42B5-8137-9DF3F51BA10A}">
+      <p15:sldGuideLst xmlns:p15="http://schemas.microsoft.com/office/powerpoint/2012/main"/>
+    </p:ext>
+  </p:extLst>
 </p:presentation>
+</file>
+
+<file path=ppt/notesMasters/notesMaster1.xml><?xml version="1.0" encoding="utf-8"?>
+<p:notesMaster xmlns:a="http://schemas.openxmlformats.org/drawingml/2006/main" xmlns:r="http://schemas.openxmlformats.org/officeDocument/2006/relationships" xmlns:p="http://schemas.openxmlformats.org/presentationml/2006/main">
+  <p:cSld>
+    <p:bg>
+      <p:bgRef idx="1001">
+        <a:schemeClr val="bg1"/>
+      </p:bgRef>
+    </p:bg>
+    <p:spTree>
+      <p:nvGrpSpPr>
+        <p:cNvPr id="1" name=""/>
+        <p:cNvGrpSpPr/>
+        <p:nvPr/>
+      </p:nvGrpSpPr>
+      <p:grpSpPr>
+        <a:xfrm>
+          <a:off x="0" y="0"/>
+          <a:ext cx="0" cy="0"/>
+          <a:chOff x="0" y="0"/>
+          <a:chExt cx="0" cy="0"/>
+        </a:xfrm>
+      </p:grpSpPr>
+      <p:sp>
+        <p:nvSpPr>
+          <p:cNvPr id="2" name="Élőfej helye 1"/>
+          <p:cNvSpPr>
+            <a:spLocks noGrp="1"/>
+          </p:cNvSpPr>
+          <p:nvPr>
+            <p:ph type="hdr" sz="quarter"/>
+          </p:nvPr>
+        </p:nvSpPr>
+        <p:spPr>
+          <a:xfrm>
+            <a:off x="0" y="0"/>
+            <a:ext cx="2971800" cy="458788"/>
+          </a:xfrm>
+          <a:prstGeom prst="rect">
+            <a:avLst/>
+          </a:prstGeom>
+        </p:spPr>
+        <p:txBody>
+          <a:bodyPr vert="horz" lIns="91440" tIns="45720" rIns="91440" bIns="45720" rtlCol="0"/>
+          <a:lstStyle>
+            <a:lvl1pPr algn="l">
+              <a:defRPr sz="1200"/>
+            </a:lvl1pPr>
+          </a:lstStyle>
+          <a:p>
+            <a:endParaRPr lang="hu-HU"/>
+          </a:p>
+        </p:txBody>
+      </p:sp>
+      <p:sp>
+        <p:nvSpPr>
+          <p:cNvPr id="3" name="Dátum helye 2"/>
+          <p:cNvSpPr>
+            <a:spLocks noGrp="1"/>
+          </p:cNvSpPr>
+          <p:nvPr>
+            <p:ph type="dt" idx="1"/>
+          </p:nvPr>
+        </p:nvSpPr>
+        <p:spPr>
+          <a:xfrm>
+            <a:off x="3884613" y="0"/>
+            <a:ext cx="2971800" cy="458788"/>
+          </a:xfrm>
+          <a:prstGeom prst="rect">
+            <a:avLst/>
+          </a:prstGeom>
+        </p:spPr>
+        <p:txBody>
+          <a:bodyPr vert="horz" lIns="91440" tIns="45720" rIns="91440" bIns="45720" rtlCol="0"/>
+          <a:lstStyle>
+            <a:lvl1pPr algn="r">
+              <a:defRPr sz="1200"/>
+            </a:lvl1pPr>
+          </a:lstStyle>
+          <a:p>
+            <a:fld id="{247A5A7A-F42B-47DA-859F-0B45D9AA7C63}" type="datetimeFigureOut">
+              <a:rPr lang="hu-HU" smtClean="0"/>
+              <a:t>2017.11.27.</a:t>
+            </a:fld>
+            <a:endParaRPr lang="hu-HU"/>
+          </a:p>
+        </p:txBody>
+      </p:sp>
+      <p:sp>
+        <p:nvSpPr>
+          <p:cNvPr id="4" name="Diakép helye 3"/>
+          <p:cNvSpPr>
+            <a:spLocks noGrp="1" noRot="1" noChangeAspect="1"/>
+          </p:cNvSpPr>
+          <p:nvPr>
+            <p:ph type="sldImg" idx="2"/>
+          </p:nvPr>
+        </p:nvSpPr>
+        <p:spPr>
+          <a:xfrm>
+            <a:off x="685800" y="1143000"/>
+            <a:ext cx="5486400" cy="3086100"/>
+          </a:xfrm>
+          <a:prstGeom prst="rect">
+            <a:avLst/>
+          </a:prstGeom>
+          <a:noFill/>
+          <a:ln w="12700">
+            <a:solidFill>
+              <a:prstClr val="black"/>
+            </a:solidFill>
+          </a:ln>
+        </p:spPr>
+        <p:txBody>
+          <a:bodyPr vert="horz" lIns="91440" tIns="45720" rIns="91440" bIns="45720" rtlCol="0" anchor="ctr"/>
+          <a:lstStyle/>
+          <a:p>
+            <a:endParaRPr lang="hu-HU"/>
+          </a:p>
+        </p:txBody>
+      </p:sp>
+      <p:sp>
+        <p:nvSpPr>
+          <p:cNvPr id="5" name="Jegyzetek helye 4"/>
+          <p:cNvSpPr>
+            <a:spLocks noGrp="1"/>
+          </p:cNvSpPr>
+          <p:nvPr>
+            <p:ph type="body" sz="quarter" idx="3"/>
+          </p:nvPr>
+        </p:nvSpPr>
+        <p:spPr>
+          <a:xfrm>
+            <a:off x="685800" y="4400550"/>
+            <a:ext cx="5486400" cy="3600450"/>
+          </a:xfrm>
+          <a:prstGeom prst="rect">
+            <a:avLst/>
+          </a:prstGeom>
+        </p:spPr>
+        <p:txBody>
+          <a:bodyPr vert="horz" lIns="91440" tIns="45720" rIns="91440" bIns="45720" rtlCol="0"/>
+          <a:lstStyle/>
+          <a:p>
+            <a:pPr lvl="0"/>
+            <a:r>
+              <a:rPr lang="hu-HU" smtClean="0"/>
+              <a:t>Mintaszöveg szerkesztése</a:t>
+            </a:r>
+          </a:p>
+          <a:p>
+            <a:pPr lvl="1"/>
+            <a:r>
+              <a:rPr lang="hu-HU" smtClean="0"/>
+              <a:t>Második szint</a:t>
+            </a:r>
+          </a:p>
+          <a:p>
+            <a:pPr lvl="2"/>
+            <a:r>
+              <a:rPr lang="hu-HU" smtClean="0"/>
+              <a:t>Harmadik szint</a:t>
+            </a:r>
+          </a:p>
+          <a:p>
+            <a:pPr lvl="3"/>
+            <a:r>
+              <a:rPr lang="hu-HU" smtClean="0"/>
+              <a:t>Negyedik szint</a:t>
+            </a:r>
+          </a:p>
+          <a:p>
+            <a:pPr lvl="4"/>
+            <a:r>
+              <a:rPr lang="hu-HU" smtClean="0"/>
+              <a:t>Ötödik szint</a:t>
+            </a:r>
+            <a:endParaRPr lang="hu-HU"/>
+          </a:p>
+        </p:txBody>
+      </p:sp>
+      <p:sp>
+        <p:nvSpPr>
+          <p:cNvPr id="6" name="Élőláb helye 5"/>
+          <p:cNvSpPr>
+            <a:spLocks noGrp="1"/>
+          </p:cNvSpPr>
+          <p:nvPr>
+            <p:ph type="ftr" sz="quarter" idx="4"/>
+          </p:nvPr>
+        </p:nvSpPr>
+        <p:spPr>
+          <a:xfrm>
+            <a:off x="0" y="8685213"/>
+            <a:ext cx="2971800" cy="458787"/>
+          </a:xfrm>
+          <a:prstGeom prst="rect">
+            <a:avLst/>
+          </a:prstGeom>
+        </p:spPr>
+        <p:txBody>
+          <a:bodyPr vert="horz" lIns="91440" tIns="45720" rIns="91440" bIns="45720" rtlCol="0" anchor="b"/>
+          <a:lstStyle>
+            <a:lvl1pPr algn="l">
+              <a:defRPr sz="1200"/>
+            </a:lvl1pPr>
+          </a:lstStyle>
+          <a:p>
+            <a:endParaRPr lang="hu-HU"/>
+          </a:p>
+        </p:txBody>
+      </p:sp>
+      <p:sp>
+        <p:nvSpPr>
+          <p:cNvPr id="7" name="Dia számának helye 6"/>
+          <p:cNvSpPr>
+            <a:spLocks noGrp="1"/>
+          </p:cNvSpPr>
+          <p:nvPr>
+            <p:ph type="sldNum" sz="quarter" idx="5"/>
+          </p:nvPr>
+        </p:nvSpPr>
+        <p:spPr>
+          <a:xfrm>
+            <a:off x="3884613" y="8685213"/>
+            <a:ext cx="2971800" cy="458787"/>
+          </a:xfrm>
+          <a:prstGeom prst="rect">
+            <a:avLst/>
+          </a:prstGeom>
+        </p:spPr>
+        <p:txBody>
+          <a:bodyPr vert="horz" lIns="91440" tIns="45720" rIns="91440" bIns="45720" rtlCol="0" anchor="b"/>
+          <a:lstStyle>
+            <a:lvl1pPr algn="r">
+              <a:defRPr sz="1200"/>
+            </a:lvl1pPr>
+          </a:lstStyle>
+          <a:p>
+            <a:fld id="{B642BE08-91D0-4554-9FAC-836C25C013E0}" type="slidenum">
+              <a:rPr lang="hu-HU" smtClean="0"/>
+              <a:t>‹#›</a:t>
+            </a:fld>
+            <a:endParaRPr lang="hu-HU"/>
+          </a:p>
+        </p:txBody>
+      </p:sp>
+    </p:spTree>
+    <p:extLst>
+      <p:ext uri="{BB962C8B-B14F-4D97-AF65-F5344CB8AC3E}">
+        <p14:creationId xmlns:p14="http://schemas.microsoft.com/office/powerpoint/2010/main" val="531230473"/>
+      </p:ext>
+    </p:extLst>
+  </p:cSld>
+  <p:clrMap bg1="lt1" tx1="dk1" bg2="lt2" tx2="dk2" accent1="accent1" accent2="accent2" accent3="accent3" accent4="accent4" accent5="accent5" accent6="accent6" hlink="hlink" folHlink="folHlink"/>
+  <p:notesStyle>
+    <a:lvl1pPr marL="0" algn="l" defTabSz="914400" rtl="0" eaLnBrk="1" latinLnBrk="0" hangingPunct="1">
+      <a:defRPr sz="1200" kern="1200">
+        <a:solidFill>
+          <a:schemeClr val="tx1"/>
+        </a:solidFill>
+        <a:latin typeface="+mn-lt"/>
+        <a:ea typeface="+mn-ea"/>
+        <a:cs typeface="+mn-cs"/>
+      </a:defRPr>
+    </a:lvl1pPr>
+    <a:lvl2pPr marL="457200" algn="l" defTabSz="914400" rtl="0" eaLnBrk="1" latinLnBrk="0" hangingPunct="1">
+      <a:defRPr sz="1200" kern="1200">
+        <a:solidFill>
+          <a:schemeClr val="tx1"/>
+        </a:solidFill>
+        <a:latin typeface="+mn-lt"/>
+        <a:ea typeface="+mn-ea"/>
+        <a:cs typeface="+mn-cs"/>
+      </a:defRPr>
+    </a:lvl2pPr>
+    <a:lvl3pPr marL="914400" algn="l" defTabSz="914400" rtl="0" eaLnBrk="1" latinLnBrk="0" hangingPunct="1">
+      <a:defRPr sz="1200" kern="1200">
+        <a:solidFill>
+          <a:schemeClr val="tx1"/>
+        </a:solidFill>
+        <a:latin typeface="+mn-lt"/>
+        <a:ea typeface="+mn-ea"/>
+        <a:cs typeface="+mn-cs"/>
+      </a:defRPr>
+    </a:lvl3pPr>
+    <a:lvl4pPr marL="1371600" algn="l" defTabSz="914400" rtl="0" eaLnBrk="1" latinLnBrk="0" hangingPunct="1">
+      <a:defRPr sz="1200" kern="1200">
+        <a:solidFill>
+          <a:schemeClr val="tx1"/>
+        </a:solidFill>
+        <a:latin typeface="+mn-lt"/>
+        <a:ea typeface="+mn-ea"/>
+        <a:cs typeface="+mn-cs"/>
+      </a:defRPr>
+    </a:lvl4pPr>
+    <a:lvl5pPr marL="1828800" algn="l" defTabSz="914400" rtl="0" eaLnBrk="1" latinLnBrk="0" hangingPunct="1">
+      <a:defRPr sz="1200" kern="1200">
+        <a:solidFill>
+          <a:schemeClr val="tx1"/>
+        </a:solidFill>
+        <a:latin typeface="+mn-lt"/>
+        <a:ea typeface="+mn-ea"/>
+        <a:cs typeface="+mn-cs"/>
+      </a:defRPr>
+    </a:lvl5pPr>
+    <a:lvl6pPr marL="2286000" algn="l" defTabSz="914400" rtl="0" eaLnBrk="1" latinLnBrk="0" hangingPunct="1">
+      <a:defRPr sz="1200" kern="1200">
+        <a:solidFill>
+          <a:schemeClr val="tx1"/>
+        </a:solidFill>
+        <a:latin typeface="+mn-lt"/>
+        <a:ea typeface="+mn-ea"/>
+        <a:cs typeface="+mn-cs"/>
+      </a:defRPr>
+    </a:lvl6pPr>
+    <a:lvl7pPr marL="2743200" algn="l" defTabSz="914400" rtl="0" eaLnBrk="1" latinLnBrk="0" hangingPunct="1">
+      <a:defRPr sz="1200" kern="1200">
+        <a:solidFill>
+          <a:schemeClr val="tx1"/>
+        </a:solidFill>
+        <a:latin typeface="+mn-lt"/>
+        <a:ea typeface="+mn-ea"/>
+        <a:cs typeface="+mn-cs"/>
+      </a:defRPr>
+    </a:lvl7pPr>
+    <a:lvl8pPr marL="3200400" algn="l" defTabSz="914400" rtl="0" eaLnBrk="1" latinLnBrk="0" hangingPunct="1">
+      <a:defRPr sz="1200" kern="1200">
+        <a:solidFill>
+          <a:schemeClr val="tx1"/>
+        </a:solidFill>
+        <a:latin typeface="+mn-lt"/>
+        <a:ea typeface="+mn-ea"/>
+        <a:cs typeface="+mn-cs"/>
+      </a:defRPr>
+    </a:lvl8pPr>
+    <a:lvl9pPr marL="3657600" algn="l" defTabSz="914400" rtl="0" eaLnBrk="1" latinLnBrk="0" hangingPunct="1">
+      <a:defRPr sz="1200" kern="1200">
+        <a:solidFill>
+          <a:schemeClr val="tx1"/>
+        </a:solidFill>
+        <a:latin typeface="+mn-lt"/>
+        <a:ea typeface="+mn-ea"/>
+        <a:cs typeface="+mn-cs"/>
+      </a:defRPr>
+    </a:lvl9pPr>
+  </p:notesStyle>
+</p:notesMaster>
 </file>
 
 <file path=ppt/slideLayouts/slideLayout1.xml><?xml version="1.0" encoding="utf-8"?>
@@ -850,10 +1221,9 @@
           <a:bodyPr/>
           <a:lstStyle/>
           <a:p>
-            <a:fld id="{B61BEF0D-F0BB-DE4B-95CE-6DB70DBA9567}" type="datetimeFigureOut">
-              <a:rPr lang="en-US" dirty="0"/>
-              <a:pPr/>
-              <a:t>11/26/2017</a:t>
+            <a:fld id="{289B10C6-D21D-44BD-AA77-77802DCBDD71}" type="datetime1">
+              <a:rPr lang="en-US" smtClean="0"/>
+              <a:t>11/27/2017</a:t>
             </a:fld>
             <a:endParaRPr lang="en-US" dirty="0"/>
           </a:p>
@@ -1098,10 +1468,9 @@
           <a:bodyPr/>
           <a:lstStyle/>
           <a:p>
-            <a:fld id="{B61BEF0D-F0BB-DE4B-95CE-6DB70DBA9567}" type="datetimeFigureOut">
-              <a:rPr lang="en-US" dirty="0"/>
-              <a:pPr/>
-              <a:t>11/26/2017</a:t>
+            <a:fld id="{32E76124-424A-49A4-8728-10113FBAF419}" type="datetime1">
+              <a:rPr lang="en-US" smtClean="0"/>
+              <a:t>11/27/2017</a:t>
             </a:fld>
             <a:endParaRPr lang="en-US" dirty="0"/>
           </a:p>
@@ -1409,10 +1778,9 @@
           <a:bodyPr/>
           <a:lstStyle/>
           <a:p>
-            <a:fld id="{B61BEF0D-F0BB-DE4B-95CE-6DB70DBA9567}" type="datetimeFigureOut">
-              <a:rPr lang="en-US" dirty="0"/>
-              <a:pPr/>
-              <a:t>11/26/2017</a:t>
+            <a:fld id="{92185F52-D3FD-463A-85F5-7CD0758E4887}" type="datetime1">
+              <a:rPr lang="en-US" smtClean="0"/>
+              <a:t>11/27/2017</a:t>
             </a:fld>
             <a:endParaRPr lang="en-US" dirty="0"/>
           </a:p>
@@ -1739,10 +2107,9 @@
           <a:bodyPr/>
           <a:lstStyle/>
           <a:p>
-            <a:fld id="{B61BEF0D-F0BB-DE4B-95CE-6DB70DBA9567}" type="datetimeFigureOut">
-              <a:rPr lang="en-US" dirty="0"/>
-              <a:pPr/>
-              <a:t>11/26/2017</a:t>
+            <a:fld id="{585DF7C9-AA36-43E9-A287-18BD1805BE99}" type="datetime1">
+              <a:rPr lang="en-US" smtClean="0"/>
+              <a:t>11/27/2017</a:t>
             </a:fld>
             <a:endParaRPr lang="en-US" dirty="0"/>
           </a:p>
@@ -2050,10 +2417,9 @@
           <a:bodyPr/>
           <a:lstStyle/>
           <a:p>
-            <a:fld id="{B61BEF0D-F0BB-DE4B-95CE-6DB70DBA9567}" type="datetimeFigureOut">
-              <a:rPr lang="en-US" dirty="0"/>
-              <a:pPr/>
-              <a:t>11/26/2017</a:t>
+            <a:fld id="{ACF2F106-9C1C-4856-B90E-BAC04F899E64}" type="datetime1">
+              <a:rPr lang="en-US" smtClean="0"/>
+              <a:t>11/27/2017</a:t>
             </a:fld>
             <a:endParaRPr lang="en-US" dirty="0"/>
           </a:p>
@@ -2440,10 +2806,9 @@
           <a:bodyPr/>
           <a:lstStyle/>
           <a:p>
-            <a:fld id="{B61BEF0D-F0BB-DE4B-95CE-6DB70DBA9567}" type="datetimeFigureOut">
-              <a:rPr lang="en-US" dirty="0"/>
-              <a:pPr/>
-              <a:t>11/26/2017</a:t>
+            <a:fld id="{41AE8151-5949-4F1A-BB05-38AC58F3E1D5}" type="datetime1">
+              <a:rPr lang="en-US" smtClean="0"/>
+              <a:t>11/27/2017</a:t>
             </a:fld>
             <a:endParaRPr lang="en-US" dirty="0"/>
           </a:p>
@@ -2607,9 +2972,9 @@
           <a:bodyPr/>
           <a:lstStyle/>
           <a:p>
-            <a:fld id="{55C6B4A9-1611-4792-9094-5F34BCA07E0B}" type="datetimeFigureOut">
-              <a:rPr lang="en-US" dirty="0"/>
-              <a:t>11/26/2017</a:t>
+            <a:fld id="{5BD298F7-68FC-48AF-BB7D-3BB12981B203}" type="datetime1">
+              <a:rPr lang="en-US" smtClean="0"/>
+              <a:t>11/27/2017</a:t>
             </a:fld>
             <a:endParaRPr lang="en-US" dirty="0"/>
           </a:p>
@@ -2782,10 +3147,9 @@
           <a:bodyPr/>
           <a:lstStyle/>
           <a:p>
-            <a:fld id="{B61BEF0D-F0BB-DE4B-95CE-6DB70DBA9567}" type="datetimeFigureOut">
-              <a:rPr lang="en-US" dirty="0"/>
-              <a:pPr/>
-              <a:t>11/26/2017</a:t>
+            <a:fld id="{934D0E08-48B9-4456-8940-782F25374744}" type="datetime1">
+              <a:rPr lang="en-US" smtClean="0"/>
+              <a:t>11/27/2017</a:t>
             </a:fld>
             <a:endParaRPr lang="en-US" dirty="0"/>
           </a:p>
@@ -2949,9 +3313,9 @@
           <a:bodyPr/>
           <a:lstStyle/>
           <a:p>
-            <a:fld id="{42A54C80-263E-416B-A8E0-580EDEADCBDC}" type="datetimeFigureOut">
-              <a:rPr lang="en-US" dirty="0"/>
-              <a:t>11/26/2017</a:t>
+            <a:fld id="{A06482FA-B583-4F7B-977A-4B36B98C73D9}" type="datetime1">
+              <a:rPr lang="en-US" smtClean="0"/>
+              <a:t>11/27/2017</a:t>
             </a:fld>
             <a:endParaRPr lang="en-US" dirty="0"/>
           </a:p>
@@ -3191,10 +3555,9 @@
           <a:bodyPr/>
           <a:lstStyle/>
           <a:p>
-            <a:fld id="{B61BEF0D-F0BB-DE4B-95CE-6DB70DBA9567}" type="datetimeFigureOut">
-              <a:rPr lang="en-US" dirty="0"/>
-              <a:pPr/>
-              <a:t>11/26/2017</a:t>
+            <a:fld id="{09EDF03D-6158-48B1-8D1F-DB5E341B8B49}" type="datetime1">
+              <a:rPr lang="en-US" smtClean="0"/>
+              <a:t>11/27/2017</a:t>
             </a:fld>
             <a:endParaRPr lang="en-US" dirty="0"/>
           </a:p>
@@ -3420,9 +3783,9 @@
           <a:bodyPr/>
           <a:lstStyle/>
           <a:p>
-            <a:fld id="{42A54C80-263E-416B-A8E0-580EDEADCBDC}" type="datetimeFigureOut">
-              <a:rPr lang="en-US" dirty="0"/>
-              <a:t>11/26/2017</a:t>
+            <a:fld id="{744C4815-5ADA-4BAD-B7C9-AEE7239AF57F}" type="datetime1">
+              <a:rPr lang="en-US" smtClean="0"/>
+              <a:t>11/27/2017</a:t>
             </a:fld>
             <a:endParaRPr lang="en-US" dirty="0"/>
           </a:p>
@@ -3789,10 +4152,9 @@
           <a:bodyPr/>
           <a:lstStyle/>
           <a:p>
-            <a:fld id="{B61BEF0D-F0BB-DE4B-95CE-6DB70DBA9567}" type="datetimeFigureOut">
-              <a:rPr lang="en-US" dirty="0"/>
-              <a:pPr/>
-              <a:t>11/26/2017</a:t>
+            <a:fld id="{564F2428-DB19-4D06-A169-EEFA9FB6A6DA}" type="datetime1">
+              <a:rPr lang="en-US" smtClean="0"/>
+              <a:t>11/27/2017</a:t>
             </a:fld>
             <a:endParaRPr lang="en-US" dirty="0"/>
           </a:p>
@@ -3909,10 +4271,9 @@
           <a:bodyPr/>
           <a:lstStyle/>
           <a:p>
-            <a:fld id="{B61BEF0D-F0BB-DE4B-95CE-6DB70DBA9567}" type="datetimeFigureOut">
-              <a:rPr lang="en-US" dirty="0"/>
-              <a:pPr/>
-              <a:t>11/26/2017</a:t>
+            <a:fld id="{22871904-9C66-4020-8C43-44FF07C72FAE}" type="datetime1">
+              <a:rPr lang="en-US" smtClean="0"/>
+              <a:t>11/27/2017</a:t>
             </a:fld>
             <a:endParaRPr lang="en-US" dirty="0"/>
           </a:p>
@@ -4001,10 +4362,9 @@
           <a:bodyPr/>
           <a:lstStyle/>
           <a:p>
-            <a:fld id="{B61BEF0D-F0BB-DE4B-95CE-6DB70DBA9567}" type="datetimeFigureOut">
-              <a:rPr lang="en-US" dirty="0"/>
-              <a:pPr/>
-              <a:t>11/26/2017</a:t>
+            <a:fld id="{DA88656F-9A32-4545-BCA1-9868AAD02B1D}" type="datetime1">
+              <a:rPr lang="en-US" smtClean="0"/>
+              <a:t>11/27/2017</a:t>
             </a:fld>
             <a:endParaRPr lang="en-US" dirty="0"/>
           </a:p>
@@ -4253,9 +4613,9 @@
           <a:bodyPr/>
           <a:lstStyle/>
           <a:p>
-            <a:fld id="{42A54C80-263E-416B-A8E0-580EDEADCBDC}" type="datetimeFigureOut">
-              <a:rPr lang="en-US" dirty="0"/>
-              <a:t>11/26/2017</a:t>
+            <a:fld id="{ADBD22B7-56D6-4B48-B3D7-1C87F1A05209}" type="datetime1">
+              <a:rPr lang="en-US" smtClean="0"/>
+              <a:t>11/27/2017</a:t>
             </a:fld>
             <a:endParaRPr lang="en-US" dirty="0"/>
           </a:p>
@@ -4554,10 +4914,9 @@
           <a:bodyPr/>
           <a:lstStyle/>
           <a:p>
-            <a:fld id="{B61BEF0D-F0BB-DE4B-95CE-6DB70DBA9567}" type="datetimeFigureOut">
-              <a:rPr lang="en-US" dirty="0"/>
-              <a:pPr/>
-              <a:t>11/26/2017</a:t>
+            <a:fld id="{3E341E19-19C9-4E5D-839E-9AF3A25DE78F}" type="datetime1">
+              <a:rPr lang="en-US" smtClean="0"/>
+              <a:t>11/27/2017</a:t>
             </a:fld>
             <a:endParaRPr lang="en-US" dirty="0"/>
           </a:p>
@@ -5252,10 +5611,9 @@
             </a:lvl1pPr>
           </a:lstStyle>
           <a:p>
-            <a:fld id="{B61BEF0D-F0BB-DE4B-95CE-6DB70DBA9567}" type="datetimeFigureOut">
-              <a:rPr lang="en-US" dirty="0"/>
-              <a:pPr/>
-              <a:t>11/26/2017</a:t>
+            <a:fld id="{9FE58A27-199F-4D85-B55D-F0CE5A79A3DB}" type="datetime1">
+              <a:rPr lang="en-US" smtClean="0"/>
+              <a:t>11/27/2017</a:t>
             </a:fld>
             <a:endParaRPr lang="en-US" dirty="0"/>
           </a:p>
@@ -5359,6 +5717,7 @@
     <p:sldLayoutId id="2147483668" r:id="rId15"/>
     <p:sldLayoutId id="2147483659" r:id="rId16"/>
   </p:sldLayoutIdLst>
+  <p:hf hdr="0" ftr="0" dt="0"/>
   <p:txStyles>
     <p:titleStyle>
       <a:lvl1pPr algn="l" defTabSz="457200" rtl="0" eaLnBrk="1" latinLnBrk="0" hangingPunct="1">
@@ -5820,18 +6179,34 @@
           <a:lstStyle/>
           <a:p>
             <a:r>
-              <a:rPr lang="hu-HU" dirty="0" smtClean="0"/>
+              <a:rPr lang="hu-HU" dirty="0" smtClean="0">
+                <a:solidFill>
+                  <a:schemeClr val="tx1"/>
+                </a:solidFill>
+              </a:rPr>
               <a:t>Témavezető: Dr. </a:t>
             </a:r>
             <a:r>
-              <a:rPr lang="hu-HU" dirty="0" err="1" smtClean="0"/>
+              <a:rPr lang="hu-HU" dirty="0" err="1" smtClean="0">
+                <a:solidFill>
+                  <a:schemeClr val="tx1"/>
+                </a:solidFill>
+              </a:rPr>
               <a:t>Vassányi</a:t>
             </a:r>
             <a:r>
-              <a:rPr lang="hu-HU" dirty="0" smtClean="0"/>
+              <a:rPr lang="hu-HU" dirty="0" smtClean="0">
+                <a:solidFill>
+                  <a:schemeClr val="tx1"/>
+                </a:solidFill>
+              </a:rPr>
               <a:t> István</a:t>
             </a:r>
-            <a:endParaRPr lang="hu-HU" dirty="0"/>
+            <a:endParaRPr lang="hu-HU" dirty="0">
+              <a:solidFill>
+                <a:schemeClr val="tx1"/>
+              </a:solidFill>
+            </a:endParaRPr>
           </a:p>
         </p:txBody>
       </p:sp>
@@ -5845,6 +6220,2256 @@
   <p:clrMapOvr>
     <a:masterClrMapping/>
   </p:clrMapOvr>
+  <p:timing>
+    <p:tnLst>
+      <p:par>
+        <p:cTn id="1" dur="indefinite" restart="never" nodeType="tmRoot"/>
+      </p:par>
+    </p:tnLst>
+  </p:timing>
+</p:sld>
+</file>
+
+<file path=ppt/slides/slide10.xml><?xml version="1.0" encoding="utf-8"?>
+<p:sld xmlns:a="http://schemas.openxmlformats.org/drawingml/2006/main" xmlns:r="http://schemas.openxmlformats.org/officeDocument/2006/relationships" xmlns:p="http://schemas.openxmlformats.org/presentationml/2006/main">
+  <p:cSld>
+    <p:spTree>
+      <p:nvGrpSpPr>
+        <p:cNvPr id="1" name=""/>
+        <p:cNvGrpSpPr/>
+        <p:nvPr/>
+      </p:nvGrpSpPr>
+      <p:grpSpPr>
+        <a:xfrm>
+          <a:off x="0" y="0"/>
+          <a:ext cx="0" cy="0"/>
+          <a:chOff x="0" y="0"/>
+          <a:chExt cx="0" cy="0"/>
+        </a:xfrm>
+      </p:grpSpPr>
+      <p:sp>
+        <p:nvSpPr>
+          <p:cNvPr id="2" name="Cím 1"/>
+          <p:cNvSpPr>
+            <a:spLocks noGrp="1"/>
+          </p:cNvSpPr>
+          <p:nvPr>
+            <p:ph type="title"/>
+          </p:nvPr>
+        </p:nvSpPr>
+        <p:spPr/>
+        <p:txBody>
+          <a:bodyPr/>
+          <a:lstStyle/>
+          <a:p>
+            <a:r>
+              <a:rPr lang="hu-HU" dirty="0" smtClean="0"/>
+              <a:t>Rendszerterv</a:t>
+            </a:r>
+            <a:endParaRPr lang="hu-HU" dirty="0"/>
+          </a:p>
+        </p:txBody>
+      </p:sp>
+      <p:sp>
+        <p:nvSpPr>
+          <p:cNvPr id="3" name="Tartalom helye 2"/>
+          <p:cNvSpPr>
+            <a:spLocks noGrp="1"/>
+          </p:cNvSpPr>
+          <p:nvPr>
+            <p:ph idx="1"/>
+          </p:nvPr>
+        </p:nvSpPr>
+        <p:spPr/>
+        <p:txBody>
+          <a:bodyPr anchor="ctr">
+            <a:normAutofit/>
+          </a:bodyPr>
+          <a:lstStyle/>
+          <a:p>
+            <a:pPr>
+              <a:lnSpc>
+                <a:spcPct val="150000"/>
+              </a:lnSpc>
+              <a:buFont typeface="Arial" panose="020B0604020202020204" pitchFamily="34" charset="0"/>
+              <a:buChar char="•"/>
+            </a:pPr>
+            <a:r>
+              <a:rPr lang="hu-HU" sz="2400" dirty="0" smtClean="0"/>
+              <a:t>Egymástól </a:t>
+            </a:r>
+            <a:r>
+              <a:rPr lang="hu-HU" sz="2400" dirty="0"/>
+              <a:t>független komponensek (adatbázis interfész, GUI, naplózás, stb.)</a:t>
+            </a:r>
+          </a:p>
+          <a:p>
+            <a:pPr>
+              <a:lnSpc>
+                <a:spcPct val="150000"/>
+              </a:lnSpc>
+              <a:buFont typeface="Arial" panose="020B0604020202020204" pitchFamily="34" charset="0"/>
+              <a:buChar char="•"/>
+            </a:pPr>
+            <a:r>
+              <a:rPr lang="hu-HU" sz="2400" dirty="0"/>
+              <a:t>USDA frissítések közötti változások alkalmazása</a:t>
+            </a:r>
+          </a:p>
+          <a:p>
+            <a:pPr>
+              <a:lnSpc>
+                <a:spcPct val="150000"/>
+              </a:lnSpc>
+              <a:buFont typeface="Arial" panose="020B0604020202020204" pitchFamily="34" charset="0"/>
+              <a:buChar char="•"/>
+            </a:pPr>
+            <a:r>
+              <a:rPr lang="hu-HU" sz="2400" dirty="0" smtClean="0"/>
+              <a:t>Fájlok </a:t>
+            </a:r>
+            <a:r>
+              <a:rPr lang="hu-HU" sz="2400" dirty="0"/>
+              <a:t>külön feldolgozása összefüggések </a:t>
+            </a:r>
+            <a:r>
+              <a:rPr lang="hu-HU" sz="2400" dirty="0" smtClean="0"/>
+              <a:t>ellenére</a:t>
+            </a:r>
+            <a:endParaRPr lang="hu-HU" sz="2400" dirty="0"/>
+          </a:p>
+        </p:txBody>
+      </p:sp>
+      <p:sp>
+        <p:nvSpPr>
+          <p:cNvPr id="4" name="Dia számának helye 3"/>
+          <p:cNvSpPr>
+            <a:spLocks noGrp="1"/>
+          </p:cNvSpPr>
+          <p:nvPr>
+            <p:ph type="sldNum" sz="quarter" idx="12"/>
+          </p:nvPr>
+        </p:nvSpPr>
+        <p:spPr/>
+        <p:txBody>
+          <a:bodyPr/>
+          <a:lstStyle/>
+          <a:p>
+            <a:fld id="{519954A3-9DFD-4C44-94BA-B95130A3BA1C}" type="slidenum">
+              <a:rPr lang="en-US" sz="2000" smtClean="0">
+                <a:solidFill>
+                  <a:schemeClr val="tx1"/>
+                </a:solidFill>
+              </a:rPr>
+              <a:t>10</a:t>
+            </a:fld>
+            <a:endParaRPr lang="en-US" sz="2000" dirty="0">
+              <a:solidFill>
+                <a:schemeClr val="tx1"/>
+              </a:solidFill>
+            </a:endParaRPr>
+          </a:p>
+        </p:txBody>
+      </p:sp>
+    </p:spTree>
+    <p:extLst>
+      <p:ext uri="{BB962C8B-B14F-4D97-AF65-F5344CB8AC3E}">
+        <p14:creationId xmlns:p14="http://schemas.microsoft.com/office/powerpoint/2010/main" val="1248092320"/>
+      </p:ext>
+    </p:extLst>
+  </p:cSld>
+  <p:clrMapOvr>
+    <a:masterClrMapping/>
+  </p:clrMapOvr>
+  <p:timing>
+    <p:tnLst>
+      <p:par>
+        <p:cTn id="1" dur="indefinite" restart="never" nodeType="tmRoot"/>
+      </p:par>
+    </p:tnLst>
+  </p:timing>
+</p:sld>
+</file>
+
+<file path=ppt/slides/slide11.xml><?xml version="1.0" encoding="utf-8"?>
+<p:sld xmlns:a="http://schemas.openxmlformats.org/drawingml/2006/main" xmlns:r="http://schemas.openxmlformats.org/officeDocument/2006/relationships" xmlns:p="http://schemas.openxmlformats.org/presentationml/2006/main">
+  <p:cSld>
+    <p:spTree>
+      <p:nvGrpSpPr>
+        <p:cNvPr id="1" name=""/>
+        <p:cNvGrpSpPr/>
+        <p:nvPr/>
+      </p:nvGrpSpPr>
+      <p:grpSpPr>
+        <a:xfrm>
+          <a:off x="0" y="0"/>
+          <a:ext cx="0" cy="0"/>
+          <a:chOff x="0" y="0"/>
+          <a:chExt cx="0" cy="0"/>
+        </a:xfrm>
+      </p:grpSpPr>
+      <p:sp>
+        <p:nvSpPr>
+          <p:cNvPr id="2" name="Cím 1"/>
+          <p:cNvSpPr>
+            <a:spLocks noGrp="1"/>
+          </p:cNvSpPr>
+          <p:nvPr>
+            <p:ph type="title"/>
+          </p:nvPr>
+        </p:nvSpPr>
+        <p:spPr/>
+        <p:txBody>
+          <a:bodyPr/>
+          <a:lstStyle/>
+          <a:p>
+            <a:r>
+              <a:rPr lang="hu-HU" dirty="0" smtClean="0"/>
+              <a:t>Elkészült rendszer</a:t>
+            </a:r>
+            <a:endParaRPr lang="hu-HU" dirty="0"/>
+          </a:p>
+        </p:txBody>
+      </p:sp>
+      <p:sp>
+        <p:nvSpPr>
+          <p:cNvPr id="3" name="Tartalom helye 2"/>
+          <p:cNvSpPr>
+            <a:spLocks noGrp="1"/>
+          </p:cNvSpPr>
+          <p:nvPr>
+            <p:ph idx="1"/>
+          </p:nvPr>
+        </p:nvSpPr>
+        <p:spPr/>
+        <p:txBody>
+          <a:bodyPr anchor="ctr">
+            <a:normAutofit/>
+          </a:bodyPr>
+          <a:lstStyle/>
+          <a:p>
+            <a:pPr>
+              <a:lnSpc>
+                <a:spcPct val="150000"/>
+              </a:lnSpc>
+              <a:buFont typeface="Arial" panose="020B0604020202020204" pitchFamily="34" charset="0"/>
+              <a:buChar char="•"/>
+            </a:pPr>
+            <a:r>
+              <a:rPr lang="hu-HU" sz="2400" dirty="0" smtClean="0"/>
+              <a:t>Felhasználás </a:t>
+            </a:r>
+            <a:r>
+              <a:rPr lang="hu-HU" sz="2400" dirty="0"/>
+              <a:t>csak az adatbázis adminisztrátorai </a:t>
+            </a:r>
+            <a:r>
+              <a:rPr lang="hu-HU" sz="2400" dirty="0" smtClean="0"/>
+              <a:t>számára</a:t>
+            </a:r>
+          </a:p>
+          <a:p>
+            <a:pPr>
+              <a:lnSpc>
+                <a:spcPct val="150000"/>
+              </a:lnSpc>
+              <a:buFont typeface="Arial" panose="020B0604020202020204" pitchFamily="34" charset="0"/>
+              <a:buChar char="•"/>
+            </a:pPr>
+            <a:r>
+              <a:rPr lang="hu-HU" sz="2400" dirty="0" smtClean="0"/>
+              <a:t>Adatbázis frissítése egy tranzakcióként valósul meg tárolt eljárások hívásával</a:t>
+            </a:r>
+          </a:p>
+          <a:p>
+            <a:pPr>
+              <a:lnSpc>
+                <a:spcPct val="150000"/>
+              </a:lnSpc>
+              <a:buFont typeface="Arial" panose="020B0604020202020204" pitchFamily="34" charset="0"/>
+              <a:buChar char="•"/>
+            </a:pPr>
+            <a:r>
+              <a:rPr lang="hu-HU" sz="2400" dirty="0" smtClean="0"/>
+              <a:t>Valós idejű megfigyelés</a:t>
+            </a:r>
+          </a:p>
+          <a:p>
+            <a:pPr>
+              <a:lnSpc>
+                <a:spcPct val="150000"/>
+              </a:lnSpc>
+              <a:buFont typeface="Arial" panose="020B0604020202020204" pitchFamily="34" charset="0"/>
+              <a:buChar char="•"/>
+            </a:pPr>
+            <a:r>
+              <a:rPr lang="hu-HU" sz="2400" dirty="0" smtClean="0"/>
+              <a:t>Időbélyeggel ellátott naplófájlok</a:t>
+            </a:r>
+            <a:endParaRPr lang="hu-HU" sz="2400" dirty="0"/>
+          </a:p>
+        </p:txBody>
+      </p:sp>
+      <p:sp>
+        <p:nvSpPr>
+          <p:cNvPr id="4" name="Dia számának helye 3"/>
+          <p:cNvSpPr>
+            <a:spLocks noGrp="1"/>
+          </p:cNvSpPr>
+          <p:nvPr>
+            <p:ph type="sldNum" sz="quarter" idx="12"/>
+          </p:nvPr>
+        </p:nvSpPr>
+        <p:spPr/>
+        <p:txBody>
+          <a:bodyPr/>
+          <a:lstStyle/>
+          <a:p>
+            <a:fld id="{519954A3-9DFD-4C44-94BA-B95130A3BA1C}" type="slidenum">
+              <a:rPr lang="en-US" sz="2000" smtClean="0">
+                <a:solidFill>
+                  <a:schemeClr val="tx1"/>
+                </a:solidFill>
+              </a:rPr>
+              <a:t>11</a:t>
+            </a:fld>
+            <a:endParaRPr lang="en-US" sz="2000" dirty="0">
+              <a:solidFill>
+                <a:schemeClr val="tx1"/>
+              </a:solidFill>
+            </a:endParaRPr>
+          </a:p>
+        </p:txBody>
+      </p:sp>
+    </p:spTree>
+    <p:extLst>
+      <p:ext uri="{BB962C8B-B14F-4D97-AF65-F5344CB8AC3E}">
+        <p14:creationId xmlns:p14="http://schemas.microsoft.com/office/powerpoint/2010/main" val="721311891"/>
+      </p:ext>
+    </p:extLst>
+  </p:cSld>
+  <p:clrMapOvr>
+    <a:masterClrMapping/>
+  </p:clrMapOvr>
+  <p:timing>
+    <p:tnLst>
+      <p:par>
+        <p:cTn id="1" dur="indefinite" restart="never" nodeType="tmRoot"/>
+      </p:par>
+    </p:tnLst>
+  </p:timing>
+</p:sld>
+</file>
+
+<file path=ppt/slides/slide12.xml><?xml version="1.0" encoding="utf-8"?>
+<p:sld xmlns:a="http://schemas.openxmlformats.org/drawingml/2006/main" xmlns:r="http://schemas.openxmlformats.org/officeDocument/2006/relationships" xmlns:p="http://schemas.openxmlformats.org/presentationml/2006/main">
+  <p:cSld>
+    <p:spTree>
+      <p:nvGrpSpPr>
+        <p:cNvPr id="1" name=""/>
+        <p:cNvGrpSpPr/>
+        <p:nvPr/>
+      </p:nvGrpSpPr>
+      <p:grpSpPr>
+        <a:xfrm>
+          <a:off x="0" y="0"/>
+          <a:ext cx="0" cy="0"/>
+          <a:chOff x="0" y="0"/>
+          <a:chExt cx="0" cy="0"/>
+        </a:xfrm>
+      </p:grpSpPr>
+      <p:sp>
+        <p:nvSpPr>
+          <p:cNvPr id="2" name="Cím 1"/>
+          <p:cNvSpPr>
+            <a:spLocks noGrp="1"/>
+          </p:cNvSpPr>
+          <p:nvPr>
+            <p:ph type="title"/>
+          </p:nvPr>
+        </p:nvSpPr>
+        <p:spPr/>
+        <p:txBody>
+          <a:bodyPr/>
+          <a:lstStyle/>
+          <a:p>
+            <a:r>
+              <a:rPr lang="hu-HU" dirty="0" smtClean="0"/>
+              <a:t>További lehetőségek</a:t>
+            </a:r>
+            <a:endParaRPr lang="hu-HU" dirty="0"/>
+          </a:p>
+        </p:txBody>
+      </p:sp>
+      <p:sp>
+        <p:nvSpPr>
+          <p:cNvPr id="3" name="Tartalom helye 2"/>
+          <p:cNvSpPr>
+            <a:spLocks noGrp="1"/>
+          </p:cNvSpPr>
+          <p:nvPr>
+            <p:ph idx="1"/>
+          </p:nvPr>
+        </p:nvSpPr>
+        <p:spPr/>
+        <p:txBody>
+          <a:bodyPr anchor="ctr">
+            <a:normAutofit/>
+          </a:bodyPr>
+          <a:lstStyle/>
+          <a:p>
+            <a:pPr>
+              <a:lnSpc>
+                <a:spcPct val="150000"/>
+              </a:lnSpc>
+              <a:buFont typeface="Arial" panose="020B0604020202020204" pitchFamily="34" charset="0"/>
+              <a:buChar char="•"/>
+            </a:pPr>
+            <a:r>
+              <a:rPr lang="hu-HU" sz="2400" dirty="0" smtClean="0"/>
+              <a:t>Élelmiszerek manuális importálása</a:t>
+            </a:r>
+          </a:p>
+          <a:p>
+            <a:pPr>
+              <a:lnSpc>
+                <a:spcPct val="150000"/>
+              </a:lnSpc>
+              <a:buFont typeface="Arial" panose="020B0604020202020204" pitchFamily="34" charset="0"/>
+              <a:buChar char="•"/>
+            </a:pPr>
+            <a:r>
+              <a:rPr lang="hu-HU" sz="2400" dirty="0" smtClean="0"/>
+              <a:t>Adatbázis-frissítésekről statisztikai adatok megjelenítése</a:t>
+            </a:r>
+            <a:endParaRPr lang="hu-HU" sz="2400" dirty="0"/>
+          </a:p>
+        </p:txBody>
+      </p:sp>
+      <p:sp>
+        <p:nvSpPr>
+          <p:cNvPr id="4" name="Dia számának helye 3"/>
+          <p:cNvSpPr>
+            <a:spLocks noGrp="1"/>
+          </p:cNvSpPr>
+          <p:nvPr>
+            <p:ph type="sldNum" sz="quarter" idx="12"/>
+          </p:nvPr>
+        </p:nvSpPr>
+        <p:spPr/>
+        <p:txBody>
+          <a:bodyPr/>
+          <a:lstStyle/>
+          <a:p>
+            <a:fld id="{519954A3-9DFD-4C44-94BA-B95130A3BA1C}" type="slidenum">
+              <a:rPr lang="en-US" sz="2000" smtClean="0">
+                <a:solidFill>
+                  <a:schemeClr val="tx1"/>
+                </a:solidFill>
+              </a:rPr>
+              <a:t>12</a:t>
+            </a:fld>
+            <a:endParaRPr lang="en-US" sz="2000" dirty="0">
+              <a:solidFill>
+                <a:schemeClr val="tx1"/>
+              </a:solidFill>
+            </a:endParaRPr>
+          </a:p>
+        </p:txBody>
+      </p:sp>
+    </p:spTree>
+    <p:extLst>
+      <p:ext uri="{BB962C8B-B14F-4D97-AF65-F5344CB8AC3E}">
+        <p14:creationId xmlns:p14="http://schemas.microsoft.com/office/powerpoint/2010/main" val="238186983"/>
+      </p:ext>
+    </p:extLst>
+  </p:cSld>
+  <p:clrMapOvr>
+    <a:masterClrMapping/>
+  </p:clrMapOvr>
+  <p:timing>
+    <p:tnLst>
+      <p:par>
+        <p:cTn id="1" dur="indefinite" restart="never" nodeType="tmRoot"/>
+      </p:par>
+    </p:tnLst>
+  </p:timing>
+</p:sld>
+</file>
+
+<file path=ppt/slides/slide13.xml><?xml version="1.0" encoding="utf-8"?>
+<p:sld xmlns:a="http://schemas.openxmlformats.org/drawingml/2006/main" xmlns:r="http://schemas.openxmlformats.org/officeDocument/2006/relationships" xmlns:p="http://schemas.openxmlformats.org/presentationml/2006/main">
+  <p:cSld>
+    <p:spTree>
+      <p:nvGrpSpPr>
+        <p:cNvPr id="1" name=""/>
+        <p:cNvGrpSpPr/>
+        <p:nvPr/>
+      </p:nvGrpSpPr>
+      <p:grpSpPr>
+        <a:xfrm>
+          <a:off x="0" y="0"/>
+          <a:ext cx="0" cy="0"/>
+          <a:chOff x="0" y="0"/>
+          <a:chExt cx="0" cy="0"/>
+        </a:xfrm>
+      </p:grpSpPr>
+      <p:sp>
+        <p:nvSpPr>
+          <p:cNvPr id="2" name="Cím 1"/>
+          <p:cNvSpPr>
+            <a:spLocks noGrp="1"/>
+          </p:cNvSpPr>
+          <p:nvPr>
+            <p:ph type="title"/>
+          </p:nvPr>
+        </p:nvSpPr>
+        <p:spPr/>
+        <p:txBody>
+          <a:bodyPr/>
+          <a:lstStyle/>
+          <a:p>
+            <a:r>
+              <a:rPr lang="hu-HU" dirty="0" smtClean="0"/>
+              <a:t>Teszteredmények</a:t>
+            </a:r>
+            <a:endParaRPr lang="hu-HU" dirty="0"/>
+          </a:p>
+        </p:txBody>
+      </p:sp>
+      <p:graphicFrame>
+        <p:nvGraphicFramePr>
+          <p:cNvPr id="4" name="Tartalom helye 3"/>
+          <p:cNvGraphicFramePr>
+            <a:graphicFrameLocks noGrp="1"/>
+          </p:cNvGraphicFramePr>
+          <p:nvPr>
+            <p:ph idx="1"/>
+            <p:extLst>
+              <p:ext uri="{D42A27DB-BD31-4B8C-83A1-F6EECF244321}">
+                <p14:modId xmlns:p14="http://schemas.microsoft.com/office/powerpoint/2010/main" val="1908468566"/>
+              </p:ext>
+            </p:extLst>
+          </p:nvPr>
+        </p:nvGraphicFramePr>
+        <p:xfrm>
+          <a:off x="677863" y="2160588"/>
+          <a:ext cx="8596312" cy="1920240"/>
+        </p:xfrm>
+        <a:graphic>
+          <a:graphicData uri="http://schemas.openxmlformats.org/drawingml/2006/table">
+            <a:tbl>
+              <a:tblPr firstRow="1" bandRow="1">
+                <a:tableStyleId>{5C22544A-7EE6-4342-B048-85BDC9FD1C3A}</a:tableStyleId>
+              </a:tblPr>
+              <a:tblGrid>
+                <a:gridCol w="4298156">
+                  <a:extLst>
+                    <a:ext uri="{9D8B030D-6E8A-4147-A177-3AD203B41FA5}">
+                      <a16:colId xmlns:a16="http://schemas.microsoft.com/office/drawing/2014/main" val="558184375"/>
+                    </a:ext>
+                  </a:extLst>
+                </a:gridCol>
+                <a:gridCol w="4298156">
+                  <a:extLst>
+                    <a:ext uri="{9D8B030D-6E8A-4147-A177-3AD203B41FA5}">
+                      <a16:colId xmlns:a16="http://schemas.microsoft.com/office/drawing/2014/main" val="1730430119"/>
+                    </a:ext>
+                  </a:extLst>
+                </a:gridCol>
+              </a:tblGrid>
+              <a:tr h="555435">
+                <a:tc>
+                  <a:txBody>
+                    <a:bodyPr/>
+                    <a:lstStyle/>
+                    <a:p>
+                      <a:pPr algn="ctr">
+                        <a:lnSpc>
+                          <a:spcPct val="200000"/>
+                        </a:lnSpc>
+                      </a:pPr>
+                      <a:r>
+                        <a:rPr lang="hu-HU" dirty="0" smtClean="0"/>
+                        <a:t>Adatmennyiség</a:t>
+                      </a:r>
+                      <a:endParaRPr lang="hu-HU" dirty="0"/>
+                    </a:p>
+                  </a:txBody>
+                  <a:tcPr anchor="ctr"/>
+                </a:tc>
+                <a:tc>
+                  <a:txBody>
+                    <a:bodyPr/>
+                    <a:lstStyle/>
+                    <a:p>
+                      <a:pPr algn="ctr">
+                        <a:lnSpc>
+                          <a:spcPct val="200000"/>
+                        </a:lnSpc>
+                      </a:pPr>
+                      <a:r>
+                        <a:rPr lang="hu-HU" dirty="0" smtClean="0"/>
+                        <a:t>Futási idő</a:t>
+                      </a:r>
+                      <a:endParaRPr lang="hu-HU" dirty="0"/>
+                    </a:p>
+                  </a:txBody>
+                  <a:tcPr anchor="ctr"/>
+                </a:tc>
+                <a:extLst>
+                  <a:ext uri="{0D108BD9-81ED-4DB2-BD59-A6C34878D82A}">
+                    <a16:rowId xmlns:a16="http://schemas.microsoft.com/office/drawing/2014/main" val="3298373564"/>
+                  </a:ext>
+                </a:extLst>
+              </a:tr>
+              <a:tr h="555435">
+                <a:tc>
+                  <a:txBody>
+                    <a:bodyPr/>
+                    <a:lstStyle/>
+                    <a:p>
+                      <a:pPr algn="ctr">
+                        <a:lnSpc>
+                          <a:spcPct val="200000"/>
+                        </a:lnSpc>
+                      </a:pPr>
+                      <a:r>
+                        <a:rPr lang="hu-HU" dirty="0" smtClean="0"/>
+                        <a:t>100 db</a:t>
+                      </a:r>
+                      <a:endParaRPr lang="hu-HU" dirty="0"/>
+                    </a:p>
+                  </a:txBody>
+                  <a:tcPr anchor="ctr">
+                    <a:solidFill>
+                      <a:schemeClr val="accent1">
+                        <a:lumMod val="40000"/>
+                        <a:lumOff val="60000"/>
+                      </a:schemeClr>
+                    </a:solidFill>
+                  </a:tcPr>
+                </a:tc>
+                <a:tc>
+                  <a:txBody>
+                    <a:bodyPr/>
+                    <a:lstStyle/>
+                    <a:p>
+                      <a:pPr algn="ctr">
+                        <a:lnSpc>
+                          <a:spcPct val="200000"/>
+                        </a:lnSpc>
+                      </a:pPr>
+                      <a:r>
+                        <a:rPr lang="hu-HU" dirty="0" smtClean="0"/>
+                        <a:t>~1400 </a:t>
+                      </a:r>
+                      <a:r>
+                        <a:rPr lang="hu-HU" dirty="0" err="1" smtClean="0"/>
+                        <a:t>msec</a:t>
+                      </a:r>
+                      <a:endParaRPr lang="hu-HU" dirty="0"/>
+                    </a:p>
+                  </a:txBody>
+                  <a:tcPr anchor="ctr">
+                    <a:solidFill>
+                      <a:schemeClr val="accent1">
+                        <a:lumMod val="40000"/>
+                        <a:lumOff val="60000"/>
+                      </a:schemeClr>
+                    </a:solidFill>
+                  </a:tcPr>
+                </a:tc>
+                <a:extLst>
+                  <a:ext uri="{0D108BD9-81ED-4DB2-BD59-A6C34878D82A}">
+                    <a16:rowId xmlns:a16="http://schemas.microsoft.com/office/drawing/2014/main" val="1422317077"/>
+                  </a:ext>
+                </a:extLst>
+              </a:tr>
+              <a:tr h="555435">
+                <a:tc>
+                  <a:txBody>
+                    <a:bodyPr/>
+                    <a:lstStyle/>
+                    <a:p>
+                      <a:pPr algn="ctr">
+                        <a:lnSpc>
+                          <a:spcPct val="200000"/>
+                        </a:lnSpc>
+                      </a:pPr>
+                      <a:r>
+                        <a:rPr lang="hu-HU" dirty="0" smtClean="0"/>
+                        <a:t>1000 db</a:t>
+                      </a:r>
+                      <a:endParaRPr lang="hu-HU" dirty="0"/>
+                    </a:p>
+                  </a:txBody>
+                  <a:tcPr anchor="ctr">
+                    <a:solidFill>
+                      <a:schemeClr val="accent1">
+                        <a:lumMod val="40000"/>
+                        <a:lumOff val="60000"/>
+                      </a:schemeClr>
+                    </a:solidFill>
+                  </a:tcPr>
+                </a:tc>
+                <a:tc>
+                  <a:txBody>
+                    <a:bodyPr/>
+                    <a:lstStyle/>
+                    <a:p>
+                      <a:pPr algn="ctr">
+                        <a:lnSpc>
+                          <a:spcPct val="200000"/>
+                        </a:lnSpc>
+                      </a:pPr>
+                      <a:r>
+                        <a:rPr lang="hu-HU" dirty="0" smtClean="0"/>
+                        <a:t>~13400 </a:t>
+                      </a:r>
+                      <a:r>
+                        <a:rPr lang="hu-HU" dirty="0" err="1" smtClean="0"/>
+                        <a:t>msec</a:t>
+                      </a:r>
+                      <a:endParaRPr lang="hu-HU" dirty="0"/>
+                    </a:p>
+                  </a:txBody>
+                  <a:tcPr anchor="ctr">
+                    <a:solidFill>
+                      <a:schemeClr val="accent1">
+                        <a:lumMod val="40000"/>
+                        <a:lumOff val="60000"/>
+                      </a:schemeClr>
+                    </a:solidFill>
+                  </a:tcPr>
+                </a:tc>
+                <a:extLst>
+                  <a:ext uri="{0D108BD9-81ED-4DB2-BD59-A6C34878D82A}">
+                    <a16:rowId xmlns:a16="http://schemas.microsoft.com/office/drawing/2014/main" val="4133136037"/>
+                  </a:ext>
+                </a:extLst>
+              </a:tr>
+            </a:tbl>
+          </a:graphicData>
+        </a:graphic>
+      </p:graphicFrame>
+      <p:sp>
+        <p:nvSpPr>
+          <p:cNvPr id="5" name="Dia számának helye 4"/>
+          <p:cNvSpPr>
+            <a:spLocks noGrp="1"/>
+          </p:cNvSpPr>
+          <p:nvPr>
+            <p:ph type="sldNum" sz="quarter" idx="12"/>
+          </p:nvPr>
+        </p:nvSpPr>
+        <p:spPr/>
+        <p:txBody>
+          <a:bodyPr/>
+          <a:lstStyle/>
+          <a:p>
+            <a:fld id="{519954A3-9DFD-4C44-94BA-B95130A3BA1C}" type="slidenum">
+              <a:rPr lang="en-US" sz="2000" smtClean="0">
+                <a:solidFill>
+                  <a:schemeClr val="tx1"/>
+                </a:solidFill>
+              </a:rPr>
+              <a:t>13</a:t>
+            </a:fld>
+            <a:endParaRPr lang="en-US" sz="2000" dirty="0">
+              <a:solidFill>
+                <a:schemeClr val="tx1"/>
+              </a:solidFill>
+            </a:endParaRPr>
+          </a:p>
+        </p:txBody>
+      </p:sp>
+    </p:spTree>
+    <p:extLst>
+      <p:ext uri="{BB962C8B-B14F-4D97-AF65-F5344CB8AC3E}">
+        <p14:creationId xmlns:p14="http://schemas.microsoft.com/office/powerpoint/2010/main" val="1757247816"/>
+      </p:ext>
+    </p:extLst>
+  </p:cSld>
+  <p:clrMapOvr>
+    <a:masterClrMapping/>
+  </p:clrMapOvr>
+  <p:timing>
+    <p:tnLst>
+      <p:par>
+        <p:cTn id="1" dur="indefinite" restart="never" nodeType="tmRoot"/>
+      </p:par>
+    </p:tnLst>
+  </p:timing>
+</p:sld>
+</file>
+
+<file path=ppt/slides/slide14.xml><?xml version="1.0" encoding="utf-8"?>
+<p:sld xmlns:a="http://schemas.openxmlformats.org/drawingml/2006/main" xmlns:r="http://schemas.openxmlformats.org/officeDocument/2006/relationships" xmlns:p="http://schemas.openxmlformats.org/presentationml/2006/main">
+  <p:cSld>
+    <p:spTree>
+      <p:nvGrpSpPr>
+        <p:cNvPr id="1" name=""/>
+        <p:cNvGrpSpPr/>
+        <p:nvPr/>
+      </p:nvGrpSpPr>
+      <p:grpSpPr>
+        <a:xfrm>
+          <a:off x="0" y="0"/>
+          <a:ext cx="0" cy="0"/>
+          <a:chOff x="0" y="0"/>
+          <a:chExt cx="0" cy="0"/>
+        </a:xfrm>
+      </p:grpSpPr>
+      <p:sp>
+        <p:nvSpPr>
+          <p:cNvPr id="2" name="Cím 1"/>
+          <p:cNvSpPr>
+            <a:spLocks noGrp="1"/>
+          </p:cNvSpPr>
+          <p:nvPr>
+            <p:ph type="title"/>
+          </p:nvPr>
+        </p:nvSpPr>
+        <p:spPr/>
+        <p:txBody>
+          <a:bodyPr/>
+          <a:lstStyle/>
+          <a:p>
+            <a:r>
+              <a:rPr lang="hu-HU" dirty="0" smtClean="0"/>
+              <a:t>Köszönöm a figyelmet!</a:t>
+            </a:r>
+            <a:endParaRPr lang="hu-HU" dirty="0"/>
+          </a:p>
+        </p:txBody>
+      </p:sp>
+      <p:sp>
+        <p:nvSpPr>
+          <p:cNvPr id="4" name="Dia számának helye 3"/>
+          <p:cNvSpPr>
+            <a:spLocks noGrp="1"/>
+          </p:cNvSpPr>
+          <p:nvPr>
+            <p:ph type="sldNum" sz="quarter" idx="12"/>
+          </p:nvPr>
+        </p:nvSpPr>
+        <p:spPr/>
+        <p:txBody>
+          <a:bodyPr/>
+          <a:lstStyle/>
+          <a:p>
+            <a:fld id="{D57F1E4F-1CFF-5643-939E-217C01CDF565}" type="slidenum">
+              <a:rPr lang="en-US" sz="2000" smtClean="0">
+                <a:solidFill>
+                  <a:schemeClr val="tx1"/>
+                </a:solidFill>
+              </a:rPr>
+              <a:pPr/>
+              <a:t>14</a:t>
+            </a:fld>
+            <a:endParaRPr lang="en-US" sz="2000" dirty="0">
+              <a:solidFill>
+                <a:schemeClr val="tx1"/>
+              </a:solidFill>
+            </a:endParaRPr>
+          </a:p>
+        </p:txBody>
+      </p:sp>
+    </p:spTree>
+    <p:extLst>
+      <p:ext uri="{BB962C8B-B14F-4D97-AF65-F5344CB8AC3E}">
+        <p14:creationId xmlns:p14="http://schemas.microsoft.com/office/powerpoint/2010/main" val="634285916"/>
+      </p:ext>
+    </p:extLst>
+  </p:cSld>
+  <p:clrMapOvr>
+    <a:masterClrMapping/>
+  </p:clrMapOvr>
+  <p:timing>
+    <p:tnLst>
+      <p:par>
+        <p:cTn id="1" dur="indefinite" restart="never" nodeType="tmRoot"/>
+      </p:par>
+    </p:tnLst>
+  </p:timing>
+</p:sld>
+</file>
+
+<file path=ppt/slides/slide2.xml><?xml version="1.0" encoding="utf-8"?>
+<p:sld xmlns:a="http://schemas.openxmlformats.org/drawingml/2006/main" xmlns:r="http://schemas.openxmlformats.org/officeDocument/2006/relationships" xmlns:p="http://schemas.openxmlformats.org/presentationml/2006/main">
+  <p:cSld>
+    <p:spTree>
+      <p:nvGrpSpPr>
+        <p:cNvPr id="1" name=""/>
+        <p:cNvGrpSpPr/>
+        <p:nvPr/>
+      </p:nvGrpSpPr>
+      <p:grpSpPr>
+        <a:xfrm>
+          <a:off x="0" y="0"/>
+          <a:ext cx="0" cy="0"/>
+          <a:chOff x="0" y="0"/>
+          <a:chExt cx="0" cy="0"/>
+        </a:xfrm>
+      </p:grpSpPr>
+      <p:sp>
+        <p:nvSpPr>
+          <p:cNvPr id="2" name="Cím 1"/>
+          <p:cNvSpPr>
+            <a:spLocks noGrp="1"/>
+          </p:cNvSpPr>
+          <p:nvPr>
+            <p:ph type="title"/>
+          </p:nvPr>
+        </p:nvSpPr>
+        <p:spPr/>
+        <p:txBody>
+          <a:bodyPr/>
+          <a:lstStyle/>
+          <a:p>
+            <a:r>
+              <a:rPr lang="hu-HU" dirty="0" smtClean="0"/>
+              <a:t>Tartalom</a:t>
+            </a:r>
+            <a:endParaRPr lang="hu-HU" dirty="0"/>
+          </a:p>
+        </p:txBody>
+      </p:sp>
+      <p:sp>
+        <p:nvSpPr>
+          <p:cNvPr id="3" name="Tartalom helye 2"/>
+          <p:cNvSpPr>
+            <a:spLocks noGrp="1"/>
+          </p:cNvSpPr>
+          <p:nvPr>
+            <p:ph idx="1"/>
+          </p:nvPr>
+        </p:nvSpPr>
+        <p:spPr/>
+        <p:txBody>
+          <a:bodyPr anchor="ctr">
+            <a:noAutofit/>
+          </a:bodyPr>
+          <a:lstStyle/>
+          <a:p>
+            <a:pPr>
+              <a:buFont typeface="Arial" panose="020B0604020202020204" pitchFamily="34" charset="0"/>
+              <a:buChar char="•"/>
+            </a:pPr>
+            <a:r>
+              <a:rPr lang="hu-HU" sz="2400" dirty="0" smtClean="0"/>
+              <a:t>Bevezetés</a:t>
+            </a:r>
+          </a:p>
+          <a:p>
+            <a:pPr>
+              <a:buFont typeface="Arial" panose="020B0604020202020204" pitchFamily="34" charset="0"/>
+              <a:buChar char="•"/>
+            </a:pPr>
+            <a:r>
+              <a:rPr lang="hu-HU" sz="2400" dirty="0" smtClean="0"/>
+              <a:t>Feladat ismertetése</a:t>
+            </a:r>
+          </a:p>
+          <a:p>
+            <a:pPr>
+              <a:buFont typeface="Arial" panose="020B0604020202020204" pitchFamily="34" charset="0"/>
+              <a:buChar char="•"/>
+            </a:pPr>
+            <a:r>
+              <a:rPr lang="hu-HU" sz="2400" dirty="0" smtClean="0"/>
+              <a:t>Felhasznált technológiák</a:t>
+            </a:r>
+          </a:p>
+          <a:p>
+            <a:pPr>
+              <a:buFont typeface="Arial" panose="020B0604020202020204" pitchFamily="34" charset="0"/>
+              <a:buChar char="•"/>
+            </a:pPr>
+            <a:r>
+              <a:rPr lang="hu-HU" sz="2400" dirty="0" smtClean="0"/>
+              <a:t>Specifikáció</a:t>
+            </a:r>
+          </a:p>
+          <a:p>
+            <a:pPr>
+              <a:buFont typeface="Arial" panose="020B0604020202020204" pitchFamily="34" charset="0"/>
+              <a:buChar char="•"/>
+            </a:pPr>
+            <a:r>
+              <a:rPr lang="hu-HU" sz="2400" dirty="0" smtClean="0"/>
+              <a:t>Rendszerterv</a:t>
+            </a:r>
+          </a:p>
+          <a:p>
+            <a:pPr>
+              <a:buFont typeface="Arial" panose="020B0604020202020204" pitchFamily="34" charset="0"/>
+              <a:buChar char="•"/>
+            </a:pPr>
+            <a:r>
+              <a:rPr lang="hu-HU" sz="2400" dirty="0" smtClean="0"/>
+              <a:t>Elkészült rendszer</a:t>
+            </a:r>
+          </a:p>
+          <a:p>
+            <a:pPr>
+              <a:buFont typeface="Arial" panose="020B0604020202020204" pitchFamily="34" charset="0"/>
+              <a:buChar char="•"/>
+            </a:pPr>
+            <a:r>
+              <a:rPr lang="hu-HU" sz="2400" dirty="0" smtClean="0"/>
+              <a:t>További lehetőségek</a:t>
+            </a:r>
+          </a:p>
+          <a:p>
+            <a:pPr>
+              <a:buFont typeface="Arial" panose="020B0604020202020204" pitchFamily="34" charset="0"/>
+              <a:buChar char="•"/>
+            </a:pPr>
+            <a:r>
+              <a:rPr lang="hu-HU" sz="2400" dirty="0" smtClean="0"/>
+              <a:t>Teszteredmények</a:t>
+            </a:r>
+            <a:endParaRPr lang="hu-HU" sz="2400" dirty="0"/>
+          </a:p>
+        </p:txBody>
+      </p:sp>
+      <p:sp>
+        <p:nvSpPr>
+          <p:cNvPr id="4" name="Dia számának helye 3"/>
+          <p:cNvSpPr>
+            <a:spLocks noGrp="1"/>
+          </p:cNvSpPr>
+          <p:nvPr>
+            <p:ph type="sldNum" sz="quarter" idx="12"/>
+          </p:nvPr>
+        </p:nvSpPr>
+        <p:spPr/>
+        <p:txBody>
+          <a:bodyPr/>
+          <a:lstStyle/>
+          <a:p>
+            <a:fld id="{519954A3-9DFD-4C44-94BA-B95130A3BA1C}" type="slidenum">
+              <a:rPr lang="en-US" sz="2000" smtClean="0">
+                <a:solidFill>
+                  <a:schemeClr val="tx1"/>
+                </a:solidFill>
+              </a:rPr>
+              <a:t>2</a:t>
+            </a:fld>
+            <a:endParaRPr lang="en-US" sz="2000" dirty="0">
+              <a:solidFill>
+                <a:schemeClr val="tx1"/>
+              </a:solidFill>
+            </a:endParaRPr>
+          </a:p>
+        </p:txBody>
+      </p:sp>
+    </p:spTree>
+    <p:extLst>
+      <p:ext uri="{BB962C8B-B14F-4D97-AF65-F5344CB8AC3E}">
+        <p14:creationId xmlns:p14="http://schemas.microsoft.com/office/powerpoint/2010/main" val="4234603927"/>
+      </p:ext>
+    </p:extLst>
+  </p:cSld>
+  <p:clrMapOvr>
+    <a:masterClrMapping/>
+  </p:clrMapOvr>
+  <p:timing>
+    <p:tnLst>
+      <p:par>
+        <p:cTn id="1" dur="indefinite" restart="never" nodeType="tmRoot"/>
+      </p:par>
+    </p:tnLst>
+  </p:timing>
+</p:sld>
+</file>
+
+<file path=ppt/slides/slide3.xml><?xml version="1.0" encoding="utf-8"?>
+<p:sld xmlns:a="http://schemas.openxmlformats.org/drawingml/2006/main" xmlns:r="http://schemas.openxmlformats.org/officeDocument/2006/relationships" xmlns:p="http://schemas.openxmlformats.org/presentationml/2006/main">
+  <p:cSld>
+    <p:spTree>
+      <p:nvGrpSpPr>
+        <p:cNvPr id="1" name=""/>
+        <p:cNvGrpSpPr/>
+        <p:nvPr/>
+      </p:nvGrpSpPr>
+      <p:grpSpPr>
+        <a:xfrm>
+          <a:off x="0" y="0"/>
+          <a:ext cx="0" cy="0"/>
+          <a:chOff x="0" y="0"/>
+          <a:chExt cx="0" cy="0"/>
+        </a:xfrm>
+      </p:grpSpPr>
+      <p:sp>
+        <p:nvSpPr>
+          <p:cNvPr id="2" name="Cím 1"/>
+          <p:cNvSpPr>
+            <a:spLocks noGrp="1"/>
+          </p:cNvSpPr>
+          <p:nvPr>
+            <p:ph type="title"/>
+          </p:nvPr>
+        </p:nvSpPr>
+        <p:spPr/>
+        <p:txBody>
+          <a:bodyPr/>
+          <a:lstStyle/>
+          <a:p>
+            <a:r>
+              <a:rPr lang="hu-HU" dirty="0" smtClean="0"/>
+              <a:t>Bevezetés</a:t>
+            </a:r>
+            <a:endParaRPr lang="hu-HU" dirty="0"/>
+          </a:p>
+        </p:txBody>
+      </p:sp>
+      <p:sp>
+        <p:nvSpPr>
+          <p:cNvPr id="3" name="Tartalom helye 2"/>
+          <p:cNvSpPr>
+            <a:spLocks noGrp="1"/>
+          </p:cNvSpPr>
+          <p:nvPr>
+            <p:ph idx="1"/>
+          </p:nvPr>
+        </p:nvSpPr>
+        <p:spPr/>
+        <p:txBody>
+          <a:bodyPr anchor="ctr">
+            <a:normAutofit/>
+          </a:bodyPr>
+          <a:lstStyle/>
+          <a:p>
+            <a:pPr marL="0" indent="0">
+              <a:buNone/>
+            </a:pPr>
+            <a:r>
+              <a:rPr lang="hu-HU" sz="3200" dirty="0" err="1" smtClean="0"/>
+              <a:t>Lavinia</a:t>
+            </a:r>
+            <a:r>
+              <a:rPr lang="hu-HU" sz="3200" dirty="0" smtClean="0"/>
+              <a:t> életmód-tükör</a:t>
+            </a:r>
+          </a:p>
+          <a:p>
+            <a:pPr marL="0" indent="0">
+              <a:buNone/>
+            </a:pPr>
+            <a:endParaRPr lang="hu-HU" sz="3200" dirty="0" smtClean="0"/>
+          </a:p>
+          <a:p>
+            <a:pPr>
+              <a:lnSpc>
+                <a:spcPct val="150000"/>
+              </a:lnSpc>
+              <a:buFont typeface="Arial" panose="020B0604020202020204" pitchFamily="34" charset="0"/>
+              <a:buChar char="•"/>
+            </a:pPr>
+            <a:r>
+              <a:rPr lang="hu-HU" sz="2400" dirty="0" smtClean="0"/>
+              <a:t>Tanszéken fejlesztett alkalmazás</a:t>
+            </a:r>
+          </a:p>
+          <a:p>
+            <a:pPr>
+              <a:lnSpc>
+                <a:spcPct val="150000"/>
+              </a:lnSpc>
+              <a:buFont typeface="Arial" panose="020B0604020202020204" pitchFamily="34" charset="0"/>
+              <a:buChar char="•"/>
+            </a:pPr>
+            <a:r>
+              <a:rPr lang="hu-HU" sz="2400" dirty="0" smtClean="0"/>
+              <a:t>Életmód tanácsadó szoftver</a:t>
+            </a:r>
+          </a:p>
+          <a:p>
+            <a:pPr>
+              <a:lnSpc>
+                <a:spcPct val="150000"/>
+              </a:lnSpc>
+              <a:buFont typeface="Arial" panose="020B0604020202020204" pitchFamily="34" charset="0"/>
+              <a:buChar char="•"/>
+            </a:pPr>
+            <a:r>
+              <a:rPr lang="hu-HU" sz="2400" dirty="0" smtClean="0"/>
+              <a:t>Helyes táplálkozás elsajátítása visszajelzések révén</a:t>
+            </a:r>
+            <a:endParaRPr lang="hu-HU" sz="2400" dirty="0"/>
+          </a:p>
+        </p:txBody>
+      </p:sp>
+      <p:sp>
+        <p:nvSpPr>
+          <p:cNvPr id="4" name="Dia számának helye 3"/>
+          <p:cNvSpPr>
+            <a:spLocks noGrp="1"/>
+          </p:cNvSpPr>
+          <p:nvPr>
+            <p:ph type="sldNum" sz="quarter" idx="12"/>
+          </p:nvPr>
+        </p:nvSpPr>
+        <p:spPr/>
+        <p:txBody>
+          <a:bodyPr/>
+          <a:lstStyle/>
+          <a:p>
+            <a:fld id="{519954A3-9DFD-4C44-94BA-B95130A3BA1C}" type="slidenum">
+              <a:rPr lang="en-US" sz="2000" smtClean="0">
+                <a:solidFill>
+                  <a:schemeClr val="tx1"/>
+                </a:solidFill>
+              </a:rPr>
+              <a:t>3</a:t>
+            </a:fld>
+            <a:endParaRPr lang="en-US" sz="2000" dirty="0">
+              <a:solidFill>
+                <a:schemeClr val="tx1"/>
+              </a:solidFill>
+            </a:endParaRPr>
+          </a:p>
+        </p:txBody>
+      </p:sp>
+    </p:spTree>
+    <p:extLst>
+      <p:ext uri="{BB962C8B-B14F-4D97-AF65-F5344CB8AC3E}">
+        <p14:creationId xmlns:p14="http://schemas.microsoft.com/office/powerpoint/2010/main" val="2739935892"/>
+      </p:ext>
+    </p:extLst>
+  </p:cSld>
+  <p:clrMapOvr>
+    <a:masterClrMapping/>
+  </p:clrMapOvr>
+  <p:timing>
+    <p:tnLst>
+      <p:par>
+        <p:cTn id="1" dur="indefinite" restart="never" nodeType="tmRoot"/>
+      </p:par>
+    </p:tnLst>
+  </p:timing>
+</p:sld>
+</file>
+
+<file path=ppt/slides/slide4.xml><?xml version="1.0" encoding="utf-8"?>
+<p:sld xmlns:a="http://schemas.openxmlformats.org/drawingml/2006/main" xmlns:r="http://schemas.openxmlformats.org/officeDocument/2006/relationships" xmlns:p="http://schemas.openxmlformats.org/presentationml/2006/main">
+  <p:cSld>
+    <p:spTree>
+      <p:nvGrpSpPr>
+        <p:cNvPr id="1" name=""/>
+        <p:cNvGrpSpPr/>
+        <p:nvPr/>
+      </p:nvGrpSpPr>
+      <p:grpSpPr>
+        <a:xfrm>
+          <a:off x="0" y="0"/>
+          <a:ext cx="0" cy="0"/>
+          <a:chOff x="0" y="0"/>
+          <a:chExt cx="0" cy="0"/>
+        </a:xfrm>
+      </p:grpSpPr>
+      <p:sp>
+        <p:nvSpPr>
+          <p:cNvPr id="2" name="Cím 1"/>
+          <p:cNvSpPr>
+            <a:spLocks noGrp="1"/>
+          </p:cNvSpPr>
+          <p:nvPr>
+            <p:ph type="title"/>
+          </p:nvPr>
+        </p:nvSpPr>
+        <p:spPr/>
+        <p:txBody>
+          <a:bodyPr/>
+          <a:lstStyle/>
+          <a:p>
+            <a:r>
+              <a:rPr lang="hu-HU" dirty="0" smtClean="0"/>
+              <a:t>Feladat ismertetése</a:t>
+            </a:r>
+            <a:endParaRPr lang="hu-HU" dirty="0"/>
+          </a:p>
+        </p:txBody>
+      </p:sp>
+      <p:sp>
+        <p:nvSpPr>
+          <p:cNvPr id="3" name="Tartalom helye 2"/>
+          <p:cNvSpPr>
+            <a:spLocks noGrp="1"/>
+          </p:cNvSpPr>
+          <p:nvPr>
+            <p:ph idx="1"/>
+          </p:nvPr>
+        </p:nvSpPr>
+        <p:spPr/>
+        <p:txBody>
+          <a:bodyPr anchor="ctr">
+            <a:normAutofit/>
+          </a:bodyPr>
+          <a:lstStyle/>
+          <a:p>
+            <a:pPr>
+              <a:lnSpc>
+                <a:spcPct val="150000"/>
+              </a:lnSpc>
+              <a:buFont typeface="Arial" panose="020B0604020202020204" pitchFamily="34" charset="0"/>
+              <a:buChar char="•"/>
+            </a:pPr>
+            <a:r>
+              <a:rPr lang="hu-HU" sz="2400" dirty="0" err="1"/>
+              <a:t>Lavinia</a:t>
+            </a:r>
+            <a:r>
+              <a:rPr lang="hu-HU" sz="2400" dirty="0"/>
+              <a:t> adatbázisában szereplő élelmiszerek és </a:t>
+            </a:r>
+            <a:r>
+              <a:rPr lang="hu-HU" sz="2400" dirty="0" smtClean="0"/>
+              <a:t>tápanyagértékeik frissítése</a:t>
+            </a:r>
+          </a:p>
+          <a:p>
+            <a:pPr>
+              <a:lnSpc>
+                <a:spcPct val="150000"/>
+              </a:lnSpc>
+              <a:buFont typeface="Arial" panose="020B0604020202020204" pitchFamily="34" charset="0"/>
+              <a:buChar char="•"/>
+            </a:pPr>
+            <a:r>
+              <a:rPr lang="hu-HU" sz="2400" dirty="0" smtClean="0"/>
+              <a:t>Szinkronizálás </a:t>
+            </a:r>
+            <a:r>
+              <a:rPr lang="hu-HU" sz="2400" dirty="0"/>
+              <a:t>az USDA adatbázis új verziói </a:t>
+            </a:r>
+            <a:r>
+              <a:rPr lang="hu-HU" sz="2400" dirty="0" smtClean="0"/>
+              <a:t>által</a:t>
+            </a:r>
+          </a:p>
+          <a:p>
+            <a:pPr>
+              <a:lnSpc>
+                <a:spcPct val="150000"/>
+              </a:lnSpc>
+              <a:buFont typeface="Arial" panose="020B0604020202020204" pitchFamily="34" charset="0"/>
+              <a:buChar char="•"/>
+            </a:pPr>
+            <a:r>
+              <a:rPr lang="hu-HU" sz="2400" dirty="0" smtClean="0"/>
+              <a:t>Migrációs </a:t>
+            </a:r>
+            <a:r>
+              <a:rPr lang="hu-HU" sz="2400" dirty="0"/>
+              <a:t>folyamatot megvalósító ETL (</a:t>
+            </a:r>
+            <a:r>
+              <a:rPr lang="hu-HU" sz="2400" dirty="0" err="1"/>
+              <a:t>Extract</a:t>
+            </a:r>
+            <a:r>
+              <a:rPr lang="hu-HU" sz="2400" dirty="0"/>
+              <a:t> </a:t>
+            </a:r>
+            <a:r>
+              <a:rPr lang="hu-HU" sz="2400" dirty="0" err="1"/>
+              <a:t>Transform</a:t>
+            </a:r>
+            <a:r>
+              <a:rPr lang="hu-HU" sz="2400" dirty="0"/>
+              <a:t> </a:t>
+            </a:r>
+            <a:r>
+              <a:rPr lang="hu-HU" sz="2400" dirty="0" err="1"/>
+              <a:t>Load</a:t>
+            </a:r>
+            <a:r>
+              <a:rPr lang="hu-HU" sz="2400" dirty="0"/>
+              <a:t>) alkalmazás</a:t>
+            </a:r>
+          </a:p>
+        </p:txBody>
+      </p:sp>
+      <p:sp>
+        <p:nvSpPr>
+          <p:cNvPr id="4" name="Dia számának helye 3"/>
+          <p:cNvSpPr>
+            <a:spLocks noGrp="1"/>
+          </p:cNvSpPr>
+          <p:nvPr>
+            <p:ph type="sldNum" sz="quarter" idx="12"/>
+          </p:nvPr>
+        </p:nvSpPr>
+        <p:spPr/>
+        <p:txBody>
+          <a:bodyPr/>
+          <a:lstStyle/>
+          <a:p>
+            <a:fld id="{519954A3-9DFD-4C44-94BA-B95130A3BA1C}" type="slidenum">
+              <a:rPr lang="en-US" sz="2000" smtClean="0">
+                <a:solidFill>
+                  <a:schemeClr val="tx1"/>
+                </a:solidFill>
+              </a:rPr>
+              <a:t>4</a:t>
+            </a:fld>
+            <a:endParaRPr lang="en-US" sz="2000" dirty="0">
+              <a:solidFill>
+                <a:schemeClr val="tx1"/>
+              </a:solidFill>
+            </a:endParaRPr>
+          </a:p>
+        </p:txBody>
+      </p:sp>
+    </p:spTree>
+    <p:extLst>
+      <p:ext uri="{BB962C8B-B14F-4D97-AF65-F5344CB8AC3E}">
+        <p14:creationId xmlns:p14="http://schemas.microsoft.com/office/powerpoint/2010/main" val="2029856956"/>
+      </p:ext>
+    </p:extLst>
+  </p:cSld>
+  <p:clrMapOvr>
+    <a:masterClrMapping/>
+  </p:clrMapOvr>
+  <p:timing>
+    <p:tnLst>
+      <p:par>
+        <p:cTn id="1" dur="indefinite" restart="never" nodeType="tmRoot"/>
+      </p:par>
+    </p:tnLst>
+  </p:timing>
+</p:sld>
+</file>
+
+<file path=ppt/slides/slide5.xml><?xml version="1.0" encoding="utf-8"?>
+<p:sld xmlns:a="http://schemas.openxmlformats.org/drawingml/2006/main" xmlns:r="http://schemas.openxmlformats.org/officeDocument/2006/relationships" xmlns:p="http://schemas.openxmlformats.org/presentationml/2006/main">
+  <p:cSld>
+    <p:spTree>
+      <p:nvGrpSpPr>
+        <p:cNvPr id="1" name=""/>
+        <p:cNvGrpSpPr/>
+        <p:nvPr/>
+      </p:nvGrpSpPr>
+      <p:grpSpPr>
+        <a:xfrm>
+          <a:off x="0" y="0"/>
+          <a:ext cx="0" cy="0"/>
+          <a:chOff x="0" y="0"/>
+          <a:chExt cx="0" cy="0"/>
+        </a:xfrm>
+      </p:grpSpPr>
+      <p:sp>
+        <p:nvSpPr>
+          <p:cNvPr id="2" name="Cím 1"/>
+          <p:cNvSpPr>
+            <a:spLocks noGrp="1"/>
+          </p:cNvSpPr>
+          <p:nvPr>
+            <p:ph type="title"/>
+          </p:nvPr>
+        </p:nvSpPr>
+        <p:spPr/>
+        <p:txBody>
+          <a:bodyPr/>
+          <a:lstStyle/>
+          <a:p>
+            <a:r>
+              <a:rPr lang="en-US" dirty="0"/>
+              <a:t>USDA (US Department of Agriculture)</a:t>
+            </a:r>
+            <a:endParaRPr lang="hu-HU" dirty="0"/>
+          </a:p>
+        </p:txBody>
+      </p:sp>
+      <p:sp>
+        <p:nvSpPr>
+          <p:cNvPr id="3" name="Tartalom helye 2"/>
+          <p:cNvSpPr>
+            <a:spLocks noGrp="1"/>
+          </p:cNvSpPr>
+          <p:nvPr>
+            <p:ph idx="1"/>
+          </p:nvPr>
+        </p:nvSpPr>
+        <p:spPr/>
+        <p:txBody>
+          <a:bodyPr anchor="ctr">
+            <a:normAutofit/>
+          </a:bodyPr>
+          <a:lstStyle/>
+          <a:p>
+            <a:pPr>
+              <a:lnSpc>
+                <a:spcPct val="150000"/>
+              </a:lnSpc>
+              <a:buFont typeface="Arial" panose="020B0604020202020204" pitchFamily="34" charset="0"/>
+              <a:buChar char="•"/>
+            </a:pPr>
+            <a:r>
+              <a:rPr lang="hu-HU" sz="2400" dirty="0" smtClean="0"/>
+              <a:t>Több </a:t>
+            </a:r>
+            <a:r>
+              <a:rPr lang="hu-HU" sz="2400" dirty="0"/>
+              <a:t>ezer főből álló kutató csoport</a:t>
+            </a:r>
+          </a:p>
+          <a:p>
+            <a:pPr>
+              <a:lnSpc>
+                <a:spcPct val="150000"/>
+              </a:lnSpc>
+              <a:buFont typeface="Arial" panose="020B0604020202020204" pitchFamily="34" charset="0"/>
+              <a:buChar char="•"/>
+            </a:pPr>
+            <a:r>
+              <a:rPr lang="hu-HU" sz="2400" dirty="0" smtClean="0"/>
+              <a:t>Élelmiszerek </a:t>
+            </a:r>
+            <a:r>
+              <a:rPr lang="hu-HU" sz="2400" dirty="0"/>
+              <a:t>tápanyagtartalmának </a:t>
+            </a:r>
+            <a:r>
+              <a:rPr lang="hu-HU" sz="2400" dirty="0" smtClean="0"/>
+              <a:t>vizsgálata</a:t>
+            </a:r>
+            <a:endParaRPr lang="hu-HU" sz="2400" dirty="0"/>
+          </a:p>
+          <a:p>
+            <a:pPr>
+              <a:lnSpc>
+                <a:spcPct val="150000"/>
+              </a:lnSpc>
+              <a:buFont typeface="Arial" panose="020B0604020202020204" pitchFamily="34" charset="0"/>
+              <a:buChar char="•"/>
+            </a:pPr>
+            <a:r>
+              <a:rPr lang="hu-HU" sz="2400" dirty="0"/>
+              <a:t>150 különböző tápanyag</a:t>
+            </a:r>
+          </a:p>
+          <a:p>
+            <a:pPr>
+              <a:lnSpc>
+                <a:spcPct val="150000"/>
+              </a:lnSpc>
+              <a:buFont typeface="Arial" panose="020B0604020202020204" pitchFamily="34" charset="0"/>
+              <a:buChar char="•"/>
+            </a:pPr>
+            <a:r>
+              <a:rPr lang="hu-HU" sz="2400" dirty="0" smtClean="0"/>
+              <a:t>Adatbázis </a:t>
+            </a:r>
+            <a:r>
+              <a:rPr lang="hu-HU" sz="2400" dirty="0"/>
+              <a:t>folyamatos </a:t>
+            </a:r>
+            <a:r>
+              <a:rPr lang="hu-HU" sz="2400" dirty="0" smtClean="0"/>
+              <a:t>bővítése</a:t>
+            </a:r>
+            <a:endParaRPr lang="hu-HU" sz="2400" dirty="0"/>
+          </a:p>
+        </p:txBody>
+      </p:sp>
+      <p:sp>
+        <p:nvSpPr>
+          <p:cNvPr id="4" name="Dia számának helye 3"/>
+          <p:cNvSpPr>
+            <a:spLocks noGrp="1"/>
+          </p:cNvSpPr>
+          <p:nvPr>
+            <p:ph type="sldNum" sz="quarter" idx="12"/>
+          </p:nvPr>
+        </p:nvSpPr>
+        <p:spPr/>
+        <p:txBody>
+          <a:bodyPr/>
+          <a:lstStyle/>
+          <a:p>
+            <a:fld id="{519954A3-9DFD-4C44-94BA-B95130A3BA1C}" type="slidenum">
+              <a:rPr lang="en-US" sz="2000" smtClean="0">
+                <a:solidFill>
+                  <a:schemeClr val="tx1"/>
+                </a:solidFill>
+              </a:rPr>
+              <a:t>5</a:t>
+            </a:fld>
+            <a:endParaRPr lang="en-US" sz="2000" dirty="0">
+              <a:solidFill>
+                <a:schemeClr val="tx1"/>
+              </a:solidFill>
+            </a:endParaRPr>
+          </a:p>
+        </p:txBody>
+      </p:sp>
+    </p:spTree>
+    <p:extLst>
+      <p:ext uri="{BB962C8B-B14F-4D97-AF65-F5344CB8AC3E}">
+        <p14:creationId xmlns:p14="http://schemas.microsoft.com/office/powerpoint/2010/main" val="1637639310"/>
+      </p:ext>
+    </p:extLst>
+  </p:cSld>
+  <p:clrMapOvr>
+    <a:masterClrMapping/>
+  </p:clrMapOvr>
+  <p:timing>
+    <p:tnLst>
+      <p:par>
+        <p:cTn id="1" dur="indefinite" restart="never" nodeType="tmRoot"/>
+      </p:par>
+    </p:tnLst>
+  </p:timing>
+</p:sld>
+</file>
+
+<file path=ppt/slides/slide6.xml><?xml version="1.0" encoding="utf-8"?>
+<p:sld xmlns:a="http://schemas.openxmlformats.org/drawingml/2006/main" xmlns:r="http://schemas.openxmlformats.org/officeDocument/2006/relationships" xmlns:p="http://schemas.openxmlformats.org/presentationml/2006/main">
+  <p:cSld>
+    <p:spTree>
+      <p:nvGrpSpPr>
+        <p:cNvPr id="1" name=""/>
+        <p:cNvGrpSpPr/>
+        <p:nvPr/>
+      </p:nvGrpSpPr>
+      <p:grpSpPr>
+        <a:xfrm>
+          <a:off x="0" y="0"/>
+          <a:ext cx="0" cy="0"/>
+          <a:chOff x="0" y="0"/>
+          <a:chExt cx="0" cy="0"/>
+        </a:xfrm>
+      </p:grpSpPr>
+      <p:sp>
+        <p:nvSpPr>
+          <p:cNvPr id="2" name="Cím 1"/>
+          <p:cNvSpPr>
+            <a:spLocks noGrp="1"/>
+          </p:cNvSpPr>
+          <p:nvPr>
+            <p:ph type="title"/>
+          </p:nvPr>
+        </p:nvSpPr>
+        <p:spPr/>
+        <p:txBody>
+          <a:bodyPr/>
+          <a:lstStyle/>
+          <a:p>
+            <a:r>
+              <a:rPr lang="hu-HU" dirty="0" err="1" smtClean="0"/>
+              <a:t>Lavinia</a:t>
+            </a:r>
+            <a:endParaRPr lang="hu-HU" dirty="0"/>
+          </a:p>
+        </p:txBody>
+      </p:sp>
+      <p:sp>
+        <p:nvSpPr>
+          <p:cNvPr id="3" name="Tartalom helye 2"/>
+          <p:cNvSpPr>
+            <a:spLocks noGrp="1"/>
+          </p:cNvSpPr>
+          <p:nvPr>
+            <p:ph idx="1"/>
+          </p:nvPr>
+        </p:nvSpPr>
+        <p:spPr/>
+        <p:txBody>
+          <a:bodyPr anchor="ctr">
+            <a:normAutofit/>
+          </a:bodyPr>
+          <a:lstStyle/>
+          <a:p>
+            <a:pPr>
+              <a:lnSpc>
+                <a:spcPct val="150000"/>
+              </a:lnSpc>
+              <a:buFont typeface="Arial" panose="020B0604020202020204" pitchFamily="34" charset="0"/>
+              <a:buChar char="•"/>
+            </a:pPr>
+            <a:r>
+              <a:rPr lang="hu-HU" sz="2400" dirty="0" err="1"/>
+              <a:t>MenuGene</a:t>
+            </a:r>
+            <a:r>
+              <a:rPr lang="hu-HU" sz="2400" dirty="0"/>
+              <a:t> szakértői rendszer adatbázisát használja</a:t>
+            </a:r>
+          </a:p>
+          <a:p>
+            <a:pPr>
+              <a:lnSpc>
+                <a:spcPct val="150000"/>
+              </a:lnSpc>
+              <a:buFont typeface="Arial" panose="020B0604020202020204" pitchFamily="34" charset="0"/>
+              <a:buChar char="•"/>
+            </a:pPr>
+            <a:r>
+              <a:rPr lang="hu-HU" sz="2400" dirty="0" smtClean="0"/>
+              <a:t>Relációs adatmodell</a:t>
+            </a:r>
+          </a:p>
+          <a:p>
+            <a:pPr>
+              <a:lnSpc>
+                <a:spcPct val="150000"/>
+              </a:lnSpc>
+              <a:buFont typeface="Arial" panose="020B0604020202020204" pitchFamily="34" charset="0"/>
+              <a:buChar char="•"/>
+            </a:pPr>
+            <a:r>
+              <a:rPr lang="hu-HU" sz="2400" dirty="0" smtClean="0"/>
+              <a:t>USDA által csak manuális frissítések</a:t>
+            </a:r>
+            <a:endParaRPr lang="hu-HU" sz="2400" dirty="0"/>
+          </a:p>
+        </p:txBody>
+      </p:sp>
+      <p:sp>
+        <p:nvSpPr>
+          <p:cNvPr id="4" name="Dia számának helye 3"/>
+          <p:cNvSpPr>
+            <a:spLocks noGrp="1"/>
+          </p:cNvSpPr>
+          <p:nvPr>
+            <p:ph type="sldNum" sz="quarter" idx="12"/>
+          </p:nvPr>
+        </p:nvSpPr>
+        <p:spPr/>
+        <p:txBody>
+          <a:bodyPr/>
+          <a:lstStyle/>
+          <a:p>
+            <a:fld id="{519954A3-9DFD-4C44-94BA-B95130A3BA1C}" type="slidenum">
+              <a:rPr lang="en-US" sz="2000" smtClean="0">
+                <a:solidFill>
+                  <a:schemeClr val="tx1"/>
+                </a:solidFill>
+              </a:rPr>
+              <a:t>6</a:t>
+            </a:fld>
+            <a:endParaRPr lang="en-US" sz="2000" dirty="0">
+              <a:solidFill>
+                <a:schemeClr val="tx1"/>
+              </a:solidFill>
+            </a:endParaRPr>
+          </a:p>
+        </p:txBody>
+      </p:sp>
+    </p:spTree>
+    <p:extLst>
+      <p:ext uri="{BB962C8B-B14F-4D97-AF65-F5344CB8AC3E}">
+        <p14:creationId xmlns:p14="http://schemas.microsoft.com/office/powerpoint/2010/main" val="129345930"/>
+      </p:ext>
+    </p:extLst>
+  </p:cSld>
+  <p:clrMapOvr>
+    <a:masterClrMapping/>
+  </p:clrMapOvr>
+  <p:timing>
+    <p:tnLst>
+      <p:par>
+        <p:cTn id="1" dur="indefinite" restart="never" nodeType="tmRoot"/>
+      </p:par>
+    </p:tnLst>
+  </p:timing>
+</p:sld>
+</file>
+
+<file path=ppt/slides/slide7.xml><?xml version="1.0" encoding="utf-8"?>
+<p:sld xmlns:a="http://schemas.openxmlformats.org/drawingml/2006/main" xmlns:r="http://schemas.openxmlformats.org/officeDocument/2006/relationships" xmlns:p="http://schemas.openxmlformats.org/presentationml/2006/main">
+  <p:cSld>
+    <p:spTree>
+      <p:nvGrpSpPr>
+        <p:cNvPr id="1" name=""/>
+        <p:cNvGrpSpPr/>
+        <p:nvPr/>
+      </p:nvGrpSpPr>
+      <p:grpSpPr>
+        <a:xfrm>
+          <a:off x="0" y="0"/>
+          <a:ext cx="0" cy="0"/>
+          <a:chOff x="0" y="0"/>
+          <a:chExt cx="0" cy="0"/>
+        </a:xfrm>
+      </p:grpSpPr>
+      <p:sp>
+        <p:nvSpPr>
+          <p:cNvPr id="2" name="Cím 1"/>
+          <p:cNvSpPr>
+            <a:spLocks noGrp="1"/>
+          </p:cNvSpPr>
+          <p:nvPr>
+            <p:ph type="title"/>
+          </p:nvPr>
+        </p:nvSpPr>
+        <p:spPr/>
+        <p:txBody>
+          <a:bodyPr/>
+          <a:lstStyle/>
+          <a:p>
+            <a:r>
+              <a:rPr lang="hu-HU" dirty="0" smtClean="0"/>
+              <a:t>Felhasznált technológiák</a:t>
+            </a:r>
+            <a:endParaRPr lang="hu-HU" dirty="0"/>
+          </a:p>
+        </p:txBody>
+      </p:sp>
+      <p:sp>
+        <p:nvSpPr>
+          <p:cNvPr id="3" name="Tartalom helye 2"/>
+          <p:cNvSpPr>
+            <a:spLocks noGrp="1"/>
+          </p:cNvSpPr>
+          <p:nvPr>
+            <p:ph idx="1"/>
+          </p:nvPr>
+        </p:nvSpPr>
+        <p:spPr/>
+        <p:txBody>
+          <a:bodyPr anchor="ctr">
+            <a:normAutofit/>
+          </a:bodyPr>
+          <a:lstStyle/>
+          <a:p>
+            <a:pPr>
+              <a:buFont typeface="Arial" panose="020B0604020202020204" pitchFamily="34" charset="0"/>
+              <a:buChar char="•"/>
+            </a:pPr>
+            <a:r>
+              <a:rPr lang="hu-HU" sz="2400" dirty="0" err="1" smtClean="0"/>
+              <a:t>Postgres</a:t>
+            </a:r>
+            <a:endParaRPr lang="hu-HU" sz="2400" dirty="0" smtClean="0"/>
+          </a:p>
+          <a:p>
+            <a:pPr>
+              <a:buFont typeface="Arial" panose="020B0604020202020204" pitchFamily="34" charset="0"/>
+              <a:buChar char="•"/>
+            </a:pPr>
+            <a:r>
+              <a:rPr lang="hu-HU" sz="2400" dirty="0" smtClean="0"/>
+              <a:t>Java</a:t>
+            </a:r>
+          </a:p>
+          <a:p>
+            <a:pPr lvl="1">
+              <a:buFont typeface="Arial" panose="020B0604020202020204" pitchFamily="34" charset="0"/>
+              <a:buChar char="•"/>
+            </a:pPr>
+            <a:r>
+              <a:rPr lang="hu-HU" sz="2400" dirty="0" smtClean="0"/>
+              <a:t>JDBC (Java </a:t>
+            </a:r>
+            <a:r>
+              <a:rPr lang="hu-HU" sz="2400" dirty="0" err="1" smtClean="0"/>
+              <a:t>Database</a:t>
+            </a:r>
+            <a:r>
+              <a:rPr lang="hu-HU" sz="2400" dirty="0" smtClean="0"/>
+              <a:t> </a:t>
+            </a:r>
+            <a:r>
+              <a:rPr lang="hu-HU" sz="2400" dirty="0" err="1" smtClean="0"/>
+              <a:t>Connectivity</a:t>
+            </a:r>
+            <a:r>
+              <a:rPr lang="hu-HU" sz="2400" dirty="0" smtClean="0"/>
+              <a:t>)</a:t>
+            </a:r>
+          </a:p>
+          <a:p>
+            <a:pPr lvl="1">
+              <a:buFont typeface="Arial" panose="020B0604020202020204" pitchFamily="34" charset="0"/>
+              <a:buChar char="•"/>
+            </a:pPr>
+            <a:r>
+              <a:rPr lang="hu-HU" sz="2400" dirty="0" err="1" smtClean="0"/>
+              <a:t>JavaFX</a:t>
+            </a:r>
+            <a:endParaRPr lang="hu-HU" sz="2400" dirty="0" smtClean="0"/>
+          </a:p>
+          <a:p>
+            <a:pPr lvl="1">
+              <a:buFont typeface="Arial" panose="020B0604020202020204" pitchFamily="34" charset="0"/>
+              <a:buChar char="•"/>
+            </a:pPr>
+            <a:r>
+              <a:rPr lang="hu-HU" sz="2400" dirty="0" err="1" smtClean="0"/>
+              <a:t>Apache</a:t>
+            </a:r>
+            <a:r>
+              <a:rPr lang="hu-HU" sz="2400" dirty="0" smtClean="0"/>
+              <a:t> </a:t>
+            </a:r>
+            <a:r>
+              <a:rPr lang="hu-HU" sz="2400" dirty="0" err="1" smtClean="0"/>
+              <a:t>Commons</a:t>
+            </a:r>
+            <a:r>
+              <a:rPr lang="hu-HU" sz="2400" dirty="0" smtClean="0"/>
+              <a:t> IO</a:t>
+            </a:r>
+          </a:p>
+          <a:p>
+            <a:pPr lvl="1">
+              <a:buFont typeface="Arial" panose="020B0604020202020204" pitchFamily="34" charset="0"/>
+              <a:buChar char="•"/>
+            </a:pPr>
+            <a:r>
+              <a:rPr lang="hu-HU" sz="2400" dirty="0" err="1" smtClean="0"/>
+              <a:t>JUnit</a:t>
+            </a:r>
+            <a:endParaRPr lang="hu-HU" sz="2400" dirty="0" smtClean="0"/>
+          </a:p>
+          <a:p>
+            <a:pPr>
+              <a:buFont typeface="Arial" panose="020B0604020202020204" pitchFamily="34" charset="0"/>
+              <a:buChar char="•"/>
+            </a:pPr>
+            <a:r>
+              <a:rPr lang="hu-HU" sz="2400" dirty="0" err="1" smtClean="0"/>
+              <a:t>Git</a:t>
+            </a:r>
+            <a:endParaRPr lang="hu-HU" sz="2400" dirty="0" smtClean="0"/>
+          </a:p>
+        </p:txBody>
+      </p:sp>
+      <p:sp>
+        <p:nvSpPr>
+          <p:cNvPr id="4" name="Dia számának helye 3"/>
+          <p:cNvSpPr>
+            <a:spLocks noGrp="1"/>
+          </p:cNvSpPr>
+          <p:nvPr>
+            <p:ph type="sldNum" sz="quarter" idx="12"/>
+          </p:nvPr>
+        </p:nvSpPr>
+        <p:spPr/>
+        <p:txBody>
+          <a:bodyPr/>
+          <a:lstStyle/>
+          <a:p>
+            <a:fld id="{519954A3-9DFD-4C44-94BA-B95130A3BA1C}" type="slidenum">
+              <a:rPr lang="en-US" sz="2000" smtClean="0">
+                <a:solidFill>
+                  <a:schemeClr val="tx1"/>
+                </a:solidFill>
+              </a:rPr>
+              <a:t>7</a:t>
+            </a:fld>
+            <a:endParaRPr lang="en-US" sz="2000" dirty="0">
+              <a:solidFill>
+                <a:schemeClr val="tx1"/>
+              </a:solidFill>
+            </a:endParaRPr>
+          </a:p>
+        </p:txBody>
+      </p:sp>
+    </p:spTree>
+    <p:extLst>
+      <p:ext uri="{BB962C8B-B14F-4D97-AF65-F5344CB8AC3E}">
+        <p14:creationId xmlns:p14="http://schemas.microsoft.com/office/powerpoint/2010/main" val="2698395099"/>
+      </p:ext>
+    </p:extLst>
+  </p:cSld>
+  <p:clrMapOvr>
+    <a:masterClrMapping/>
+  </p:clrMapOvr>
+  <p:timing>
+    <p:tnLst>
+      <p:par>
+        <p:cTn id="1" dur="indefinite" restart="never" nodeType="tmRoot"/>
+      </p:par>
+    </p:tnLst>
+  </p:timing>
+</p:sld>
+</file>
+
+<file path=ppt/slides/slide8.xml><?xml version="1.0" encoding="utf-8"?>
+<p:sld xmlns:a="http://schemas.openxmlformats.org/drawingml/2006/main" xmlns:r="http://schemas.openxmlformats.org/officeDocument/2006/relationships" xmlns:p="http://schemas.openxmlformats.org/presentationml/2006/main">
+  <p:cSld>
+    <p:spTree>
+      <p:nvGrpSpPr>
+        <p:cNvPr id="1" name=""/>
+        <p:cNvGrpSpPr/>
+        <p:nvPr/>
+      </p:nvGrpSpPr>
+      <p:grpSpPr>
+        <a:xfrm>
+          <a:off x="0" y="0"/>
+          <a:ext cx="0" cy="0"/>
+          <a:chOff x="0" y="0"/>
+          <a:chExt cx="0" cy="0"/>
+        </a:xfrm>
+      </p:grpSpPr>
+      <p:sp>
+        <p:nvSpPr>
+          <p:cNvPr id="2" name="Cím 1"/>
+          <p:cNvSpPr>
+            <a:spLocks noGrp="1"/>
+          </p:cNvSpPr>
+          <p:nvPr>
+            <p:ph type="title"/>
+          </p:nvPr>
+        </p:nvSpPr>
+        <p:spPr>
+          <a:xfrm>
+            <a:off x="677334" y="593557"/>
+            <a:ext cx="8596668" cy="1320800"/>
+          </a:xfrm>
+        </p:spPr>
+        <p:txBody>
+          <a:bodyPr/>
+          <a:lstStyle/>
+          <a:p>
+            <a:r>
+              <a:rPr lang="hu-HU" dirty="0" smtClean="0"/>
+              <a:t>Specifikáció</a:t>
+            </a:r>
+            <a:endParaRPr lang="hu-HU" dirty="0"/>
+          </a:p>
+        </p:txBody>
+      </p:sp>
+      <p:sp>
+        <p:nvSpPr>
+          <p:cNvPr id="3" name="Tartalom helye 2"/>
+          <p:cNvSpPr>
+            <a:spLocks noGrp="1"/>
+          </p:cNvSpPr>
+          <p:nvPr>
+            <p:ph idx="1"/>
+          </p:nvPr>
+        </p:nvSpPr>
+        <p:spPr/>
+        <p:txBody>
+          <a:bodyPr anchor="ctr">
+            <a:normAutofit/>
+          </a:bodyPr>
+          <a:lstStyle/>
+          <a:p>
+            <a:pPr>
+              <a:lnSpc>
+                <a:spcPct val="150000"/>
+              </a:lnSpc>
+              <a:buFont typeface="Arial" panose="020B0604020202020204" pitchFamily="34" charset="0"/>
+              <a:buChar char="•"/>
+            </a:pPr>
+            <a:r>
+              <a:rPr lang="hu-HU" sz="2400" dirty="0" smtClean="0"/>
+              <a:t>Tárolt eljárások használata</a:t>
+            </a:r>
+          </a:p>
+          <a:p>
+            <a:pPr>
+              <a:lnSpc>
+                <a:spcPct val="150000"/>
+              </a:lnSpc>
+              <a:buFont typeface="Arial" panose="020B0604020202020204" pitchFamily="34" charset="0"/>
+              <a:buChar char="•"/>
+            </a:pPr>
+            <a:r>
+              <a:rPr lang="hu-HU" sz="2400" dirty="0" smtClean="0"/>
+              <a:t>Hiba </a:t>
+            </a:r>
+            <a:r>
+              <a:rPr lang="hu-HU" sz="2400" dirty="0"/>
+              <a:t>esetén adatbázis visszagörgetése</a:t>
+            </a:r>
+          </a:p>
+          <a:p>
+            <a:pPr>
+              <a:lnSpc>
+                <a:spcPct val="150000"/>
+              </a:lnSpc>
+              <a:buFont typeface="Arial" panose="020B0604020202020204" pitchFamily="34" charset="0"/>
+              <a:buChar char="•"/>
+            </a:pPr>
+            <a:r>
+              <a:rPr lang="hu-HU" sz="2400" dirty="0" smtClean="0"/>
+              <a:t>Migrációs </a:t>
+            </a:r>
+            <a:r>
+              <a:rPr lang="hu-HU" sz="2400" dirty="0"/>
+              <a:t>folyamat naplózása</a:t>
+            </a:r>
+          </a:p>
+          <a:p>
+            <a:pPr>
+              <a:lnSpc>
+                <a:spcPct val="150000"/>
+              </a:lnSpc>
+              <a:buFont typeface="Arial" panose="020B0604020202020204" pitchFamily="34" charset="0"/>
+              <a:buChar char="•"/>
+            </a:pPr>
+            <a:r>
+              <a:rPr lang="hu-HU" sz="2400" dirty="0" smtClean="0"/>
+              <a:t>Grafikus </a:t>
+            </a:r>
+            <a:r>
+              <a:rPr lang="hu-HU" sz="2400" dirty="0"/>
+              <a:t>felhasználói </a:t>
+            </a:r>
+            <a:r>
+              <a:rPr lang="hu-HU" sz="2400" dirty="0" smtClean="0"/>
+              <a:t>felület</a:t>
+            </a:r>
+            <a:endParaRPr lang="hu-HU" sz="2400" dirty="0"/>
+          </a:p>
+        </p:txBody>
+      </p:sp>
+      <p:sp>
+        <p:nvSpPr>
+          <p:cNvPr id="4" name="Dia számának helye 3"/>
+          <p:cNvSpPr>
+            <a:spLocks noGrp="1"/>
+          </p:cNvSpPr>
+          <p:nvPr>
+            <p:ph type="sldNum" sz="quarter" idx="12"/>
+          </p:nvPr>
+        </p:nvSpPr>
+        <p:spPr/>
+        <p:txBody>
+          <a:bodyPr/>
+          <a:lstStyle/>
+          <a:p>
+            <a:fld id="{519954A3-9DFD-4C44-94BA-B95130A3BA1C}" type="slidenum">
+              <a:rPr lang="en-US" sz="2000" smtClean="0">
+                <a:solidFill>
+                  <a:schemeClr val="tx1"/>
+                </a:solidFill>
+              </a:rPr>
+              <a:t>8</a:t>
+            </a:fld>
+            <a:endParaRPr lang="en-US" sz="2000" dirty="0">
+              <a:solidFill>
+                <a:schemeClr val="tx1"/>
+              </a:solidFill>
+            </a:endParaRPr>
+          </a:p>
+        </p:txBody>
+      </p:sp>
+    </p:spTree>
+    <p:extLst>
+      <p:ext uri="{BB962C8B-B14F-4D97-AF65-F5344CB8AC3E}">
+        <p14:creationId xmlns:p14="http://schemas.microsoft.com/office/powerpoint/2010/main" val="772671856"/>
+      </p:ext>
+    </p:extLst>
+  </p:cSld>
+  <p:clrMapOvr>
+    <a:masterClrMapping/>
+  </p:clrMapOvr>
+  <p:timing>
+    <p:tnLst>
+      <p:par>
+        <p:cTn id="1" dur="indefinite" restart="never" nodeType="tmRoot"/>
+      </p:par>
+    </p:tnLst>
+  </p:timing>
+</p:sld>
+</file>
+
+<file path=ppt/slides/slide9.xml><?xml version="1.0" encoding="utf-8"?>
+<p:sld xmlns:a="http://schemas.openxmlformats.org/drawingml/2006/main" xmlns:r="http://schemas.openxmlformats.org/officeDocument/2006/relationships" xmlns:p="http://schemas.openxmlformats.org/presentationml/2006/main">
+  <p:cSld>
+    <p:spTree>
+      <p:nvGrpSpPr>
+        <p:cNvPr id="1" name=""/>
+        <p:cNvGrpSpPr/>
+        <p:nvPr/>
+      </p:nvGrpSpPr>
+      <p:grpSpPr>
+        <a:xfrm>
+          <a:off x="0" y="0"/>
+          <a:ext cx="0" cy="0"/>
+          <a:chOff x="0" y="0"/>
+          <a:chExt cx="0" cy="0"/>
+        </a:xfrm>
+      </p:grpSpPr>
+      <p:pic>
+        <p:nvPicPr>
+          <p:cNvPr id="5" name="Tartalom helye 4"/>
+          <p:cNvPicPr>
+            <a:picLocks noGrp="1" noChangeAspect="1"/>
+          </p:cNvPicPr>
+          <p:nvPr>
+            <p:ph idx="1"/>
+          </p:nvPr>
+        </p:nvPicPr>
+        <p:blipFill>
+          <a:blip r:embed="rId2">
+            <a:extLst>
+              <a:ext uri="{28A0092B-C50C-407E-A947-70E740481C1C}">
+                <a14:useLocalDpi xmlns:a14="http://schemas.microsoft.com/office/drawing/2010/main" val="0"/>
+              </a:ext>
+            </a:extLst>
+          </a:blip>
+          <a:stretch>
+            <a:fillRect/>
+          </a:stretch>
+        </p:blipFill>
+        <p:spPr>
+          <a:xfrm>
+            <a:off x="1216829" y="594423"/>
+            <a:ext cx="6721521" cy="5446939"/>
+          </a:xfrm>
+        </p:spPr>
+      </p:pic>
+      <p:sp>
+        <p:nvSpPr>
+          <p:cNvPr id="4" name="Dia számának helye 3"/>
+          <p:cNvSpPr>
+            <a:spLocks noGrp="1"/>
+          </p:cNvSpPr>
+          <p:nvPr>
+            <p:ph type="sldNum" sz="quarter" idx="12"/>
+          </p:nvPr>
+        </p:nvSpPr>
+        <p:spPr/>
+        <p:txBody>
+          <a:bodyPr/>
+          <a:lstStyle/>
+          <a:p>
+            <a:fld id="{519954A3-9DFD-4C44-94BA-B95130A3BA1C}" type="slidenum">
+              <a:rPr lang="en-US" sz="2000" smtClean="0">
+                <a:solidFill>
+                  <a:schemeClr val="tx1"/>
+                </a:solidFill>
+              </a:rPr>
+              <a:t>9</a:t>
+            </a:fld>
+            <a:endParaRPr lang="en-US" sz="2000" dirty="0">
+              <a:solidFill>
+                <a:schemeClr val="tx1"/>
+              </a:solidFill>
+            </a:endParaRPr>
+          </a:p>
+        </p:txBody>
+      </p:sp>
+    </p:spTree>
+    <p:extLst>
+      <p:ext uri="{BB962C8B-B14F-4D97-AF65-F5344CB8AC3E}">
+        <p14:creationId xmlns:p14="http://schemas.microsoft.com/office/powerpoint/2010/main" val="4178466519"/>
+      </p:ext>
+    </p:extLst>
+  </p:cSld>
+  <p:clrMapOvr>
+    <a:masterClrMapping/>
+  </p:clrMapOvr>
+  <p:timing>
+    <p:tnLst>
+      <p:par>
+        <p:cTn id="1" dur="indefinite" restart="never" nodeType="tmRoot"/>
+      </p:par>
+    </p:tnLst>
+  </p:timing>
 </p:sld>
 </file>
 
@@ -6103,4 +8728,265 @@
     </a:ext>
   </a:extLst>
 </a:theme>
+</file>
+
+<file path=ppt/theme/theme2.xml><?xml version="1.0" encoding="utf-8"?>
+<a:theme xmlns:a="http://schemas.openxmlformats.org/drawingml/2006/main" name="Office-téma">
+  <a:themeElements>
+    <a:clrScheme name="Office">
+      <a:dk1>
+        <a:sysClr val="windowText" lastClr="000000"/>
+      </a:dk1>
+      <a:lt1>
+        <a:sysClr val="window" lastClr="FFFFFF"/>
+      </a:lt1>
+      <a:dk2>
+        <a:srgbClr val="44546A"/>
+      </a:dk2>
+      <a:lt2>
+        <a:srgbClr val="E7E6E6"/>
+      </a:lt2>
+      <a:accent1>
+        <a:srgbClr val="5B9BD5"/>
+      </a:accent1>
+      <a:accent2>
+        <a:srgbClr val="ED7D31"/>
+      </a:accent2>
+      <a:accent3>
+        <a:srgbClr val="A5A5A5"/>
+      </a:accent3>
+      <a:accent4>
+        <a:srgbClr val="FFC000"/>
+      </a:accent4>
+      <a:accent5>
+        <a:srgbClr val="4472C4"/>
+      </a:accent5>
+      <a:accent6>
+        <a:srgbClr val="70AD47"/>
+      </a:accent6>
+      <a:hlink>
+        <a:srgbClr val="0563C1"/>
+      </a:hlink>
+      <a:folHlink>
+        <a:srgbClr val="954F72"/>
+      </a:folHlink>
+    </a:clrScheme>
+    <a:fontScheme name="Office">
+      <a:majorFont>
+        <a:latin typeface="Calibri Light" panose="020F0302020204030204"/>
+        <a:ea typeface=""/>
+        <a:cs typeface=""/>
+        <a:font script="Jpan" typeface="游ゴシック Light"/>
+        <a:font script="Hang" typeface="맑은 고딕"/>
+        <a:font script="Hans" typeface="等线 Light"/>
+        <a:font script="Hant" typeface="新細明體"/>
+        <a:font script="Arab" typeface="Times New Roman"/>
+        <a:font script="Hebr" typeface="Times New Roman"/>
+        <a:font script="Thai" typeface="Angsana New"/>
+        <a:font script="Ethi" typeface="Nyala"/>
+        <a:font script="Beng" typeface="Vrinda"/>
+        <a:font script="Gujr" typeface="Shruti"/>
+        <a:font script="Khmr" typeface="MoolBoran"/>
+        <a:font script="Knda" typeface="Tunga"/>
+        <a:font script="Guru" typeface="Raavi"/>
+        <a:font script="Cans" typeface="Euphemia"/>
+        <a:font script="Cher" typeface="Plantagenet Cherokee"/>
+        <a:font script="Yiii" typeface="Microsoft Yi Baiti"/>
+        <a:font script="Tibt" typeface="Microsoft Himalaya"/>
+        <a:font script="Thaa" typeface="MV Boli"/>
+        <a:font script="Deva" typeface="Mangal"/>
+        <a:font script="Telu" typeface="Gautami"/>
+        <a:font script="Taml" typeface="Latha"/>
+        <a:font script="Syrc" typeface="Estrangelo Edessa"/>
+        <a:font script="Orya" typeface="Kalinga"/>
+        <a:font script="Mlym" typeface="Kartika"/>
+        <a:font script="Laoo" typeface="DokChampa"/>
+        <a:font script="Sinh" typeface="Iskoola Pota"/>
+        <a:font script="Mong" typeface="Mongolian Baiti"/>
+        <a:font script="Viet" typeface="Times New Roman"/>
+        <a:font script="Uigh" typeface="Microsoft Uighur"/>
+        <a:font script="Geor" typeface="Sylfaen"/>
+      </a:majorFont>
+      <a:minorFont>
+        <a:latin typeface="Calibri" panose="020F0502020204030204"/>
+        <a:ea typeface=""/>
+        <a:cs typeface=""/>
+        <a:font script="Jpan" typeface="游ゴシック"/>
+        <a:font script="Hang" typeface="맑은 고딕"/>
+        <a:font script="Hans" typeface="等线"/>
+        <a:font script="Hant" typeface="新細明體"/>
+        <a:font script="Arab" typeface="Arial"/>
+        <a:font script="Hebr" typeface="Arial"/>
+        <a:font script="Thai" typeface="Cordia New"/>
+        <a:font script="Ethi" typeface="Nyala"/>
+        <a:font script="Beng" typeface="Vrinda"/>
+        <a:font script="Gujr" typeface="Shruti"/>
+        <a:font script="Khmr" typeface="DaunPenh"/>
+        <a:font script="Knda" typeface="Tunga"/>
+        <a:font script="Guru" typeface="Raavi"/>
+        <a:font script="Cans" typeface="Euphemia"/>
+        <a:font script="Cher" typeface="Plantagenet Cherokee"/>
+        <a:font script="Yiii" typeface="Microsoft Yi Baiti"/>
+        <a:font script="Tibt" typeface="Microsoft Himalaya"/>
+        <a:font script="Thaa" typeface="MV Boli"/>
+        <a:font script="Deva" typeface="Mangal"/>
+        <a:font script="Telu" typeface="Gautami"/>
+        <a:font script="Taml" typeface="Latha"/>
+        <a:font script="Syrc" typeface="Estrangelo Edessa"/>
+        <a:font script="Orya" typeface="Kalinga"/>
+        <a:font script="Mlym" typeface="Kartika"/>
+        <a:font script="Laoo" typeface="DokChampa"/>
+        <a:font script="Sinh" typeface="Iskoola Pota"/>
+        <a:font script="Mong" typeface="Mongolian Baiti"/>
+        <a:font script="Viet" typeface="Arial"/>
+        <a:font script="Uigh" typeface="Microsoft Uighur"/>
+        <a:font script="Geor" typeface="Sylfaen"/>
+      </a:minorFont>
+    </a:fontScheme>
+    <a:fmtScheme name="Office">
+      <a:fillStyleLst>
+        <a:solidFill>
+          <a:schemeClr val="phClr"/>
+        </a:solidFill>
+        <a:gradFill rotWithShape="1">
+          <a:gsLst>
+            <a:gs pos="0">
+              <a:schemeClr val="phClr">
+                <a:lumMod val="110000"/>
+                <a:satMod val="105000"/>
+                <a:tint val="67000"/>
+              </a:schemeClr>
+            </a:gs>
+            <a:gs pos="50000">
+              <a:schemeClr val="phClr">
+                <a:lumMod val="105000"/>
+                <a:satMod val="103000"/>
+                <a:tint val="73000"/>
+              </a:schemeClr>
+            </a:gs>
+            <a:gs pos="100000">
+              <a:schemeClr val="phClr">
+                <a:lumMod val="105000"/>
+                <a:satMod val="109000"/>
+                <a:tint val="81000"/>
+              </a:schemeClr>
+            </a:gs>
+          </a:gsLst>
+          <a:lin ang="5400000" scaled="0"/>
+        </a:gradFill>
+        <a:gradFill rotWithShape="1">
+          <a:gsLst>
+            <a:gs pos="0">
+              <a:schemeClr val="phClr">
+                <a:satMod val="103000"/>
+                <a:lumMod val="102000"/>
+                <a:tint val="94000"/>
+              </a:schemeClr>
+            </a:gs>
+            <a:gs pos="50000">
+              <a:schemeClr val="phClr">
+                <a:satMod val="110000"/>
+                <a:lumMod val="100000"/>
+                <a:shade val="100000"/>
+              </a:schemeClr>
+            </a:gs>
+            <a:gs pos="100000">
+              <a:schemeClr val="phClr">
+                <a:lumMod val="99000"/>
+                <a:satMod val="120000"/>
+                <a:shade val="78000"/>
+              </a:schemeClr>
+            </a:gs>
+          </a:gsLst>
+          <a:lin ang="5400000" scaled="0"/>
+        </a:gradFill>
+      </a:fillStyleLst>
+      <a:lnStyleLst>
+        <a:ln w="6350" cap="flat" cmpd="sng" algn="ctr">
+          <a:solidFill>
+            <a:schemeClr val="phClr"/>
+          </a:solidFill>
+          <a:prstDash val="solid"/>
+          <a:miter lim="800000"/>
+        </a:ln>
+        <a:ln w="12700" cap="flat" cmpd="sng" algn="ctr">
+          <a:solidFill>
+            <a:schemeClr val="phClr"/>
+          </a:solidFill>
+          <a:prstDash val="solid"/>
+          <a:miter lim="800000"/>
+        </a:ln>
+        <a:ln w="19050" cap="flat" cmpd="sng" algn="ctr">
+          <a:solidFill>
+            <a:schemeClr val="phClr"/>
+          </a:solidFill>
+          <a:prstDash val="solid"/>
+          <a:miter lim="800000"/>
+        </a:ln>
+      </a:lnStyleLst>
+      <a:effectStyleLst>
+        <a:effectStyle>
+          <a:effectLst/>
+        </a:effectStyle>
+        <a:effectStyle>
+          <a:effectLst/>
+        </a:effectStyle>
+        <a:effectStyle>
+          <a:effectLst>
+            <a:outerShdw blurRad="57150" dist="19050" dir="5400000" algn="ctr" rotWithShape="0">
+              <a:srgbClr val="000000">
+                <a:alpha val="63000"/>
+              </a:srgbClr>
+            </a:outerShdw>
+          </a:effectLst>
+        </a:effectStyle>
+      </a:effectStyleLst>
+      <a:bgFillStyleLst>
+        <a:solidFill>
+          <a:schemeClr val="phClr"/>
+        </a:solidFill>
+        <a:solidFill>
+          <a:schemeClr val="phClr">
+            <a:tint val="95000"/>
+            <a:satMod val="170000"/>
+          </a:schemeClr>
+        </a:solidFill>
+        <a:gradFill rotWithShape="1">
+          <a:gsLst>
+            <a:gs pos="0">
+              <a:schemeClr val="phClr">
+                <a:tint val="93000"/>
+                <a:satMod val="150000"/>
+                <a:shade val="98000"/>
+                <a:lumMod val="102000"/>
+              </a:schemeClr>
+            </a:gs>
+            <a:gs pos="50000">
+              <a:schemeClr val="phClr">
+                <a:tint val="98000"/>
+                <a:satMod val="130000"/>
+                <a:shade val="90000"/>
+                <a:lumMod val="103000"/>
+              </a:schemeClr>
+            </a:gs>
+            <a:gs pos="100000">
+              <a:schemeClr val="phClr">
+                <a:shade val="63000"/>
+                <a:satMod val="120000"/>
+              </a:schemeClr>
+            </a:gs>
+          </a:gsLst>
+          <a:lin ang="5400000" scaled="0"/>
+        </a:gradFill>
+      </a:bgFillStyleLst>
+    </a:fmtScheme>
+  </a:themeElements>
+  <a:objectDefaults/>
+  <a:extraClrSchemeLst/>
+  <a:extLst>
+    <a:ext uri="{05A4C25C-085E-4340-85A3-A5531E510DB2}">
+      <thm15:themeFamily xmlns:thm15="http://schemas.microsoft.com/office/thememl/2012/main" name="Office Theme" id="{62F939B6-93AF-4DB8-9C6B-D6C7DFDC589F}" vid="{4A3C46E8-61CC-4603-A589-7422A47A8E4A}"/>
+    </a:ext>
+  </a:extLst>
+</a:theme>
 </file>